--- a/Project- 3 EDA.pptx
+++ b/Project- 3 EDA.pptx
@@ -8,24 +8,19 @@
     <p:sldId id="256" r:id="rId3"/>
     <p:sldId id="257" r:id="rId4"/>
     <p:sldId id="259" r:id="rId5"/>
-    <p:sldId id="270" r:id="rId6"/>
-    <p:sldId id="258" r:id="rId7"/>
-    <p:sldId id="261" r:id="rId8"/>
-    <p:sldId id="262" r:id="rId9"/>
-    <p:sldId id="263" r:id="rId10"/>
-    <p:sldId id="264" r:id="rId11"/>
-    <p:sldId id="269" r:id="rId12"/>
-    <p:sldId id="271" r:id="rId13"/>
-    <p:sldId id="282" r:id="rId14"/>
-    <p:sldId id="283" r:id="rId15"/>
-    <p:sldId id="288" r:id="rId16"/>
-    <p:sldId id="289" r:id="rId17"/>
-    <p:sldId id="291" r:id="rId18"/>
-    <p:sldId id="290" r:id="rId19"/>
-    <p:sldId id="265" r:id="rId20"/>
-    <p:sldId id="266" r:id="rId21"/>
-    <p:sldId id="267" r:id="rId22"/>
-    <p:sldId id="268" r:id="rId23"/>
+    <p:sldId id="258" r:id="rId6"/>
+    <p:sldId id="261" r:id="rId7"/>
+    <p:sldId id="262" r:id="rId8"/>
+    <p:sldId id="263" r:id="rId9"/>
+    <p:sldId id="264" r:id="rId10"/>
+    <p:sldId id="269" r:id="rId11"/>
+    <p:sldId id="271" r:id="rId12"/>
+    <p:sldId id="282" r:id="rId13"/>
+    <p:sldId id="288" r:id="rId14"/>
+    <p:sldId id="265" r:id="rId15"/>
+    <p:sldId id="266" r:id="rId16"/>
+    <p:sldId id="267" r:id="rId17"/>
+    <p:sldId id="268" r:id="rId18"/>
   </p:sldIdLst>
   <p:sldSz cx="12192000" cy="6858000"/>
   <p:notesSz cx="6858000" cy="9144000"/>
@@ -3034,30 +3029,6 @@
           </a:prstGeom>
         </p:spPr>
       </p:pic>
-      <p:pic>
-        <p:nvPicPr>
-          <p:cNvPr id="5" name="Picture 4" descr="univariate analysis-3"/>
-          <p:cNvPicPr>
-            <a:picLocks noChangeAspect="1"/>
-          </p:cNvPicPr>
-          <p:nvPr/>
-        </p:nvPicPr>
-        <p:blipFill>
-          <a:blip r:embed="rId2"/>
-          <a:stretch>
-            <a:fillRect/>
-          </a:stretch>
-        </p:blipFill>
-        <p:spPr>
-          <a:xfrm>
-            <a:off x="3703320" y="1859280"/>
-            <a:ext cx="4785360" cy="3139440"/>
-          </a:xfrm>
-          <a:prstGeom prst="rect">
-            <a:avLst/>
-          </a:prstGeom>
-        </p:spPr>
-      </p:pic>
     </p:spTree>
   </p:cSld>
   <p:clrMapOvr>
@@ -3099,10 +3070,6 @@
           </p:nvPr>
         </p:nvSpPr>
         <p:spPr>
-          <a:xfrm>
-            <a:off x="838200" y="365125"/>
-            <a:ext cx="11003280" cy="1325880"/>
-          </a:xfrm>
           <a:solidFill>
             <a:srgbClr val="00B0F0"/>
           </a:solidFill>
@@ -3130,7 +3097,7 @@
       </p:sp>
       <p:pic>
         <p:nvPicPr>
-          <p:cNvPr id="4" name="Content Placeholder 3" descr="density plot"/>
+          <p:cNvPr id="4" name="Content Placeholder 3" descr="heatmap"/>
           <p:cNvPicPr>
             <a:picLocks noChangeAspect="1"/>
           </p:cNvPicPr>
@@ -3146,20 +3113,20 @@
         </p:blipFill>
         <p:spPr>
           <a:xfrm>
-            <a:off x="469900" y="4554855"/>
-            <a:ext cx="3973830" cy="2088515"/>
+            <a:off x="404495" y="1813560"/>
+            <a:ext cx="4737100" cy="2051050"/>
           </a:xfrm>
           <a:prstGeom prst="rect">
             <a:avLst/>
           </a:prstGeom>
           <a:solidFill>
-            <a:srgbClr val="FFC000"/>
+            <a:srgbClr val="00B0F0"/>
           </a:solidFill>
         </p:spPr>
       </p:pic>
       <p:pic>
         <p:nvPicPr>
-          <p:cNvPr id="5" name="Picture 4" descr="histogram"/>
+          <p:cNvPr id="5" name="Picture 4" descr="heatmap2"/>
           <p:cNvPicPr>
             <a:picLocks noChangeAspect="1"/>
           </p:cNvPicPr>
@@ -3173,8 +3140,8 @@
         </p:blipFill>
         <p:spPr>
           <a:xfrm>
-            <a:off x="5105400" y="4284980"/>
-            <a:ext cx="4552950" cy="2358390"/>
+            <a:off x="404495" y="3865245"/>
+            <a:ext cx="4736465" cy="1725930"/>
           </a:xfrm>
           <a:prstGeom prst="rect">
             <a:avLst/>
@@ -3183,7 +3150,7 @@
       </p:pic>
       <p:pic>
         <p:nvPicPr>
-          <p:cNvPr id="6" name="Picture 5" descr="line plt"/>
+          <p:cNvPr id="7" name="Picture 6" descr="heatmap3"/>
           <p:cNvPicPr>
             <a:picLocks noChangeAspect="1"/>
           </p:cNvPicPr>
@@ -3197,67 +3164,17 @@
         </p:blipFill>
         <p:spPr>
           <a:xfrm>
-            <a:off x="363855" y="1764665"/>
-            <a:ext cx="5521325" cy="2182495"/>
+            <a:off x="330200" y="5481320"/>
+            <a:ext cx="4874895" cy="1376680"/>
           </a:xfrm>
           <a:prstGeom prst="rect">
             <a:avLst/>
           </a:prstGeom>
         </p:spPr>
       </p:pic>
-      <p:sp>
-        <p:nvSpPr>
-          <p:cNvPr id="7" name="Text Box 6"/>
-          <p:cNvSpPr txBox="1"/>
-          <p:nvPr/>
-        </p:nvSpPr>
-        <p:spPr>
-          <a:xfrm>
-            <a:off x="6609715" y="3147695"/>
-            <a:ext cx="4064000" cy="1137285"/>
-          </a:xfrm>
-          <a:prstGeom prst="rect">
-            <a:avLst/>
-          </a:prstGeom>
-          <a:noFill/>
-        </p:spPr>
-        <p:txBody>
-          <a:bodyPr wrap="square" rtlCol="0">
-            <a:noAutofit/>
-          </a:bodyPr>
-          <a:p>
-            <a:endParaRPr lang="en-US"/>
-          </a:p>
-        </p:txBody>
-      </p:sp>
-      <p:sp>
-        <p:nvSpPr>
-          <p:cNvPr id="9" name="Text Box 8"/>
-          <p:cNvSpPr txBox="1"/>
-          <p:nvPr/>
-        </p:nvSpPr>
-        <p:spPr>
-          <a:xfrm>
-            <a:off x="6492875" y="1764665"/>
-            <a:ext cx="4064000" cy="2182495"/>
-          </a:xfrm>
-          <a:prstGeom prst="rect">
-            <a:avLst/>
-          </a:prstGeom>
-          <a:noFill/>
-        </p:spPr>
-        <p:txBody>
-          <a:bodyPr wrap="square" rtlCol="0">
-            <a:noAutofit/>
-          </a:bodyPr>
-          <a:p>
-            <a:endParaRPr lang="en-US"/>
-          </a:p>
-        </p:txBody>
-      </p:sp>
       <p:pic>
         <p:nvPicPr>
-          <p:cNvPr id="10" name="Picture 9" descr="scatter plot"/>
+          <p:cNvPr id="8" name="Picture 7" descr="Screenshot 2024-06-01 154514"/>
           <p:cNvPicPr>
             <a:picLocks noChangeAspect="1"/>
           </p:cNvPicPr>
@@ -3271,8 +3188,108 @@
         </p:blipFill>
         <p:spPr>
           <a:xfrm>
-            <a:off x="6095365" y="1764030"/>
-            <a:ext cx="5335905" cy="2183130"/>
+            <a:off x="8575675" y="4768850"/>
+            <a:ext cx="3326130" cy="1864360"/>
+          </a:xfrm>
+          <a:prstGeom prst="rect">
+            <a:avLst/>
+          </a:prstGeom>
+        </p:spPr>
+      </p:pic>
+      <p:sp>
+        <p:nvSpPr>
+          <p:cNvPr id="9" name="Text Box 8"/>
+          <p:cNvSpPr txBox="1"/>
+          <p:nvPr/>
+        </p:nvSpPr>
+        <p:spPr>
+          <a:xfrm>
+            <a:off x="5373370" y="1869440"/>
+            <a:ext cx="2712720" cy="662305"/>
+          </a:xfrm>
+          <a:prstGeom prst="rect">
+            <a:avLst/>
+          </a:prstGeom>
+          <a:noFill/>
+        </p:spPr>
+        <p:txBody>
+          <a:bodyPr wrap="square" rtlCol="0">
+            <a:noAutofit/>
+          </a:bodyPr>
+          <a:p>
+            <a:r>
+              <a:rPr lang="en-US"/>
+              <a:t>S=Real_Estate.select_dtypes(include="number").corr()</a:t>
+            </a:r>
+            <a:endParaRPr lang="en-US"/>
+          </a:p>
+        </p:txBody>
+      </p:sp>
+      <p:sp>
+        <p:nvSpPr>
+          <p:cNvPr id="10" name="Text Box 9"/>
+          <p:cNvSpPr txBox="1"/>
+          <p:nvPr/>
+        </p:nvSpPr>
+        <p:spPr>
+          <a:xfrm>
+            <a:off x="5563870" y="2844800"/>
+            <a:ext cx="2197735" cy="318135"/>
+          </a:xfrm>
+          <a:prstGeom prst="rect">
+            <a:avLst/>
+          </a:prstGeom>
+          <a:noFill/>
+        </p:spPr>
+        <p:txBody>
+          <a:bodyPr wrap="square" rtlCol="0">
+            <a:noAutofit/>
+          </a:bodyPr>
+          <a:p>
+            <a:r>
+              <a:rPr lang="en-US"/>
+              <a:t>plt.figure(figsize=(35,35))</a:t>
+            </a:r>
+            <a:endParaRPr lang="en-US"/>
+          </a:p>
+          <a:p>
+            <a:r>
+              <a:rPr lang="en-US"/>
+              <a:t>sns.heatmap(S,annot=True)</a:t>
+            </a:r>
+            <a:endParaRPr lang="en-US"/>
+          </a:p>
+          <a:p>
+            <a:r>
+              <a:rPr lang="en-US"/>
+              <a:t>sns.heatmap(S)</a:t>
+            </a:r>
+            <a:endParaRPr lang="en-US"/>
+          </a:p>
+        </p:txBody>
+      </p:sp>
+      <p:pic>
+        <p:nvPicPr>
+          <p:cNvPr id="6" name="Picture 5" descr="scatter plot for saleprice vssquare foot"/>
+          <p:cNvPicPr>
+            <a:picLocks noChangeAspect="1"/>
+          </p:cNvPicPr>
+          <p:nvPr>
+            <p:custDataLst>
+              <p:tags r:id="rId5"/>
+            </p:custDataLst>
+          </p:nvPr>
+        </p:nvPicPr>
+        <p:blipFill>
+          <a:blip r:embed="rId6"/>
+          <a:stretch>
+            <a:fillRect/>
+          </a:stretch>
+        </p:blipFill>
+        <p:spPr>
+          <a:xfrm>
+            <a:off x="8294370" y="1825625"/>
+            <a:ext cx="3516630" cy="1988820"/>
           </a:xfrm>
           <a:prstGeom prst="rect">
             <a:avLst/>
@@ -3347,7 +3364,7 @@
       </p:sp>
       <p:pic>
         <p:nvPicPr>
-          <p:cNvPr id="4" name="Content Placeholder 3" descr="heatmap"/>
+          <p:cNvPr id="4" name="Content Placeholder 3" descr="boxplot-3"/>
           <p:cNvPicPr>
             <a:picLocks noChangeAspect="1"/>
           </p:cNvPicPr>
@@ -3363,20 +3380,42 @@
         </p:blipFill>
         <p:spPr>
           <a:xfrm>
-            <a:off x="404495" y="1813560"/>
-            <a:ext cx="4737100" cy="2051050"/>
+            <a:off x="558800" y="2115820"/>
+            <a:ext cx="2334895" cy="2111375"/>
           </a:xfrm>
           <a:prstGeom prst="rect">
             <a:avLst/>
           </a:prstGeom>
-          <a:solidFill>
-            <a:srgbClr val="00B0F0"/>
-          </a:solidFill>
         </p:spPr>
       </p:pic>
+      <p:sp>
+        <p:nvSpPr>
+          <p:cNvPr id="7" name="Text Box 6"/>
+          <p:cNvSpPr txBox="1"/>
+          <p:nvPr/>
+        </p:nvSpPr>
+        <p:spPr>
+          <a:xfrm>
+            <a:off x="7609840" y="4749800"/>
+            <a:ext cx="3744595" cy="1597660"/>
+          </a:xfrm>
+          <a:prstGeom prst="rect">
+            <a:avLst/>
+          </a:prstGeom>
+          <a:noFill/>
+        </p:spPr>
+        <p:txBody>
+          <a:bodyPr wrap="square" rtlCol="0">
+            <a:noAutofit/>
+          </a:bodyPr>
+          <a:p>
+            <a:endParaRPr lang="en-US"/>
+          </a:p>
+        </p:txBody>
+      </p:sp>
       <p:pic>
         <p:nvPicPr>
-          <p:cNvPr id="5" name="Picture 4" descr="heatmap2"/>
+          <p:cNvPr id="9" name="Picture 8" descr="boxplot outliers removed codes"/>
           <p:cNvPicPr>
             <a:picLocks noChangeAspect="1"/>
           </p:cNvPicPr>
@@ -3390,8 +3429,8 @@
         </p:blipFill>
         <p:spPr>
           <a:xfrm>
-            <a:off x="404495" y="3865245"/>
-            <a:ext cx="4736465" cy="1725930"/>
+            <a:off x="3079115" y="1991995"/>
+            <a:ext cx="4013200" cy="1687830"/>
           </a:xfrm>
           <a:prstGeom prst="rect">
             <a:avLst/>
@@ -3400,7 +3439,7 @@
       </p:pic>
       <p:pic>
         <p:nvPicPr>
-          <p:cNvPr id="7" name="Picture 6" descr="heatmap3"/>
+          <p:cNvPr id="14" name="Picture 13" descr="Scatter plot-3"/>
           <p:cNvPicPr>
             <a:picLocks noChangeAspect="1"/>
           </p:cNvPicPr>
@@ -3414,8 +3453,8 @@
         </p:blipFill>
         <p:spPr>
           <a:xfrm>
-            <a:off x="330200" y="5481320"/>
-            <a:ext cx="4874895" cy="1376680"/>
+            <a:off x="7441565" y="1798955"/>
+            <a:ext cx="4215765" cy="3040380"/>
           </a:xfrm>
           <a:prstGeom prst="rect">
             <a:avLst/>
@@ -3424,22 +3463,26 @@
       </p:pic>
       <p:pic>
         <p:nvPicPr>
-          <p:cNvPr id="8" name="Picture 7" descr="Screenshot 2024-06-01 154514"/>
+          <p:cNvPr id="3" name="Picture 2" descr="bar plot"/>
           <p:cNvPicPr>
             <a:picLocks noChangeAspect="1"/>
           </p:cNvPicPr>
-          <p:nvPr/>
+          <p:nvPr>
+            <p:custDataLst>
+              <p:tags r:id="rId4"/>
+            </p:custDataLst>
+          </p:nvPr>
         </p:nvPicPr>
         <p:blipFill>
-          <a:blip r:embed="rId4"/>
+          <a:blip r:embed="rId5"/>
           <a:stretch>
             <a:fillRect/>
           </a:stretch>
         </p:blipFill>
         <p:spPr>
           <a:xfrm>
-            <a:off x="8575675" y="4768850"/>
-            <a:ext cx="3326130" cy="1864360"/>
+            <a:off x="3533140" y="3845560"/>
+            <a:ext cx="3559810" cy="2353310"/>
           </a:xfrm>
           <a:prstGeom prst="rect">
             <a:avLst/>
@@ -3448,14 +3491,14 @@
       </p:pic>
       <p:sp>
         <p:nvSpPr>
-          <p:cNvPr id="9" name="Text Box 8"/>
+          <p:cNvPr id="5" name="Text Box 4"/>
           <p:cNvSpPr txBox="1"/>
           <p:nvPr/>
         </p:nvSpPr>
         <p:spPr>
           <a:xfrm>
-            <a:off x="5373370" y="1869440"/>
-            <a:ext cx="2712720" cy="662305"/>
+            <a:off x="1060450" y="4349750"/>
+            <a:ext cx="2124075" cy="946785"/>
           </a:xfrm>
           <a:prstGeom prst="rect">
             <a:avLst/>
@@ -3467,57 +3510,66 @@
             <a:noAutofit/>
           </a:bodyPr>
           <a:p>
-            <a:r>
-              <a:rPr lang="en-US"/>
-              <a:t>S=Real_Estate.select_dtypes(include="number").corr()</a:t>
-            </a:r>
-            <a:endParaRPr lang="en-US"/>
-          </a:p>
-        </p:txBody>
-      </p:sp>
-      <p:sp>
-        <p:nvSpPr>
-          <p:cNvPr id="10" name="Text Box 9"/>
-          <p:cNvSpPr txBox="1"/>
-          <p:nvPr/>
-        </p:nvSpPr>
-        <p:spPr>
-          <a:xfrm>
-            <a:off x="5563870" y="2844800"/>
-            <a:ext cx="2197735" cy="318135"/>
+            <a:endParaRPr lang="en-US"/>
+          </a:p>
+        </p:txBody>
+      </p:sp>
+      <p:pic>
+        <p:nvPicPr>
+          <p:cNvPr id="6" name="Picture 5" descr="project-3 multivariate pairplot"/>
+          <p:cNvPicPr>
+            <a:picLocks noChangeAspect="1"/>
+          </p:cNvPicPr>
+          <p:nvPr>
+            <p:custDataLst>
+              <p:tags r:id="rId6"/>
+            </p:custDataLst>
+          </p:nvPr>
+        </p:nvPicPr>
+        <p:blipFill>
+          <a:blip r:embed="rId7"/>
+          <a:stretch>
+            <a:fillRect/>
+          </a:stretch>
+        </p:blipFill>
+        <p:spPr>
+          <a:xfrm>
+            <a:off x="559435" y="4558665"/>
+            <a:ext cx="2771775" cy="1640205"/>
           </a:xfrm>
           <a:prstGeom prst="rect">
             <a:avLst/>
           </a:prstGeom>
-          <a:noFill/>
-        </p:spPr>
-        <p:txBody>
-          <a:bodyPr wrap="square" rtlCol="0">
-            <a:noAutofit/>
-          </a:bodyPr>
-          <a:p>
-            <a:r>
-              <a:rPr lang="en-US"/>
-              <a:t>plt.figure(figsize=(35,35))</a:t>
-            </a:r>
-            <a:endParaRPr lang="en-US"/>
-          </a:p>
-          <a:p>
-            <a:r>
-              <a:rPr lang="en-US"/>
-              <a:t>sns.heatmap(S,annot=True)</a:t>
-            </a:r>
-            <a:endParaRPr lang="en-US"/>
-          </a:p>
-          <a:p>
-            <a:r>
-              <a:rPr lang="en-US"/>
-              <a:t>sns.heatmap(S)</a:t>
-            </a:r>
-            <a:endParaRPr lang="en-US"/>
-          </a:p>
-        </p:txBody>
-      </p:sp>
+        </p:spPr>
+      </p:pic>
+      <p:pic>
+        <p:nvPicPr>
+          <p:cNvPr id="8" name="Content Placeholder 3" descr="pairplot of key features"/>
+          <p:cNvPicPr>
+            <a:picLocks noChangeAspect="1"/>
+          </p:cNvPicPr>
+          <p:nvPr>
+            <p:custDataLst>
+              <p:tags r:id="rId8"/>
+            </p:custDataLst>
+          </p:nvPr>
+        </p:nvPicPr>
+        <p:blipFill>
+          <a:blip r:embed="rId9"/>
+          <a:stretch>
+            <a:fillRect/>
+          </a:stretch>
+        </p:blipFill>
+        <p:spPr>
+          <a:xfrm>
+            <a:off x="7294880" y="4839335"/>
+            <a:ext cx="3634105" cy="1484630"/>
+          </a:xfrm>
+          <a:prstGeom prst="rect">
+            <a:avLst/>
+          </a:prstGeom>
+        </p:spPr>
+      </p:pic>
     </p:spTree>
   </p:cSld>
   <p:clrMapOvr>
@@ -3559,6 +3611,10 @@
           </p:nvPr>
         </p:nvSpPr>
         <p:spPr>
+          <a:xfrm>
+            <a:off x="587375" y="365125"/>
+            <a:ext cx="10766425" cy="1040765"/>
+          </a:xfrm>
           <a:solidFill>
             <a:srgbClr val="00B0F0"/>
           </a:solidFill>
@@ -3586,7 +3642,7 @@
       </p:sp>
       <p:pic>
         <p:nvPicPr>
-          <p:cNvPr id="4" name="Content Placeholder 3" descr="boxplot-3"/>
+          <p:cNvPr id="4" name="Content Placeholder 3" descr="Find the price per square foot"/>
           <p:cNvPicPr>
             <a:picLocks noChangeAspect="1"/>
           </p:cNvPicPr>
@@ -3602,42 +3658,17 @@
         </p:blipFill>
         <p:spPr>
           <a:xfrm>
-            <a:off x="558800" y="2115820"/>
-            <a:ext cx="2334895" cy="2111375"/>
+            <a:off x="5960745" y="4173855"/>
+            <a:ext cx="5393690" cy="2257425"/>
           </a:xfrm>
           <a:prstGeom prst="rect">
             <a:avLst/>
           </a:prstGeom>
         </p:spPr>
       </p:pic>
-      <p:sp>
-        <p:nvSpPr>
-          <p:cNvPr id="7" name="Text Box 6"/>
-          <p:cNvSpPr txBox="1"/>
-          <p:nvPr/>
-        </p:nvSpPr>
-        <p:spPr>
-          <a:xfrm>
-            <a:off x="5546090" y="4749800"/>
-            <a:ext cx="4064000" cy="1597660"/>
-          </a:xfrm>
-          <a:prstGeom prst="rect">
-            <a:avLst/>
-          </a:prstGeom>
-          <a:noFill/>
-        </p:spPr>
-        <p:txBody>
-          <a:bodyPr wrap="square" rtlCol="0">
-            <a:noAutofit/>
-          </a:bodyPr>
-          <a:p>
-            <a:endParaRPr lang="en-US"/>
-          </a:p>
-        </p:txBody>
-      </p:sp>
       <p:pic>
         <p:nvPicPr>
-          <p:cNvPr id="9" name="Picture 8" descr="boxplot outliers removed codes"/>
+          <p:cNvPr id="6" name="Picture 5" descr="heatmap-2halfpart"/>
           <p:cNvPicPr>
             <a:picLocks noChangeAspect="1"/>
           </p:cNvPicPr>
@@ -3651,8 +3682,8 @@
         </p:blipFill>
         <p:spPr>
           <a:xfrm>
-            <a:off x="838200" y="4885690"/>
-            <a:ext cx="4013200" cy="1687830"/>
+            <a:off x="265430" y="4438015"/>
+            <a:ext cx="5483225" cy="2790825"/>
           </a:xfrm>
           <a:prstGeom prst="rect">
             <a:avLst/>
@@ -3661,7 +3692,7 @@
       </p:pic>
       <p:pic>
         <p:nvPicPr>
-          <p:cNvPr id="14" name="Picture 13" descr="Scatter plot-3"/>
+          <p:cNvPr id="7" name="Picture 6" descr="heatmap-2"/>
           <p:cNvPicPr>
             <a:picLocks noChangeAspect="1"/>
           </p:cNvPicPr>
@@ -3675,8 +3706,32 @@
         </p:blipFill>
         <p:spPr>
           <a:xfrm>
-            <a:off x="7277735" y="3429000"/>
-            <a:ext cx="4215765" cy="3040380"/>
+            <a:off x="264795" y="1405890"/>
+            <a:ext cx="5589905" cy="3263265"/>
+          </a:xfrm>
+          <a:prstGeom prst="rect">
+            <a:avLst/>
+          </a:prstGeom>
+        </p:spPr>
+      </p:pic>
+      <p:pic>
+        <p:nvPicPr>
+          <p:cNvPr id="8" name="Picture 7" descr="new box plo-project-3"/>
+          <p:cNvPicPr>
+            <a:picLocks noChangeAspect="1"/>
+          </p:cNvPicPr>
+          <p:nvPr/>
+        </p:nvPicPr>
+        <p:blipFill>
+          <a:blip r:embed="rId4"/>
+          <a:stretch>
+            <a:fillRect/>
+          </a:stretch>
+        </p:blipFill>
+        <p:spPr>
+          <a:xfrm>
+            <a:off x="5854700" y="1483360"/>
+            <a:ext cx="4645025" cy="2091690"/>
           </a:xfrm>
           <a:prstGeom prst="rect">
             <a:avLst/>
@@ -3733,7 +3788,7 @@
           <a:p>
             <a:pPr algn="ctr"/>
             <a:r>
-              <a:rPr lang="en-US" i="1" u="sng">
+              <a:rPr lang="en-US">
                 <a:effectLst>
                   <a:outerShdw blurRad="38100" dist="19050" dir="2700000" algn="tl" rotWithShape="0">
                     <a:schemeClr val="dk1">
@@ -3743,62 +3798,109 @@
                 </a:effectLst>
                 <a:sym typeface="+mn-ea"/>
               </a:rPr>
-              <a:t>Key features</a:t>
-            </a:r>
-            <a:endParaRPr lang="en-US"/>
-          </a:p>
-        </p:txBody>
-      </p:sp>
-      <p:pic>
-        <p:nvPicPr>
-          <p:cNvPr id="5" name="Content Placeholder 4" descr="pairplot of key features"/>
-          <p:cNvPicPr>
-            <a:picLocks noChangeAspect="1"/>
-          </p:cNvPicPr>
+              <a:t>Result &amp; Achievements</a:t>
+            </a:r>
+            <a:endParaRPr lang="en-US"/>
+          </a:p>
+        </p:txBody>
+      </p:sp>
+      <p:sp>
+        <p:nvSpPr>
+          <p:cNvPr id="3" name="Content Placeholder 2"/>
+          <p:cNvSpPr>
+            <a:spLocks noGrp="1"/>
+          </p:cNvSpPr>
           <p:nvPr>
             <p:ph idx="1"/>
           </p:nvPr>
-        </p:nvPicPr>
-        <p:blipFill>
-          <a:blip r:embed="rId1"/>
-          <a:stretch>
-            <a:fillRect/>
-          </a:stretch>
-        </p:blipFill>
-        <p:spPr>
-          <a:xfrm>
-            <a:off x="5071745" y="1962785"/>
-            <a:ext cx="5460365" cy="3030855"/>
-          </a:xfrm>
-          <a:prstGeom prst="rect">
-            <a:avLst/>
-          </a:prstGeom>
-        </p:spPr>
-      </p:pic>
-      <p:pic>
-        <p:nvPicPr>
-          <p:cNvPr id="4" name="Picture 3" descr="bar plot"/>
-          <p:cNvPicPr>
-            <a:picLocks noChangeAspect="1"/>
-          </p:cNvPicPr>
-          <p:nvPr/>
-        </p:nvPicPr>
-        <p:blipFill>
-          <a:blip r:embed="rId2"/>
-          <a:stretch>
-            <a:fillRect/>
-          </a:stretch>
-        </p:blipFill>
-        <p:spPr>
-          <a:xfrm>
-            <a:off x="1146810" y="1962785"/>
-            <a:ext cx="4253230" cy="2883535"/>
-          </a:xfrm>
-          <a:prstGeom prst="rect">
-            <a:avLst/>
-          </a:prstGeom>
-        </p:spPr>
-      </p:pic>
+        </p:nvSpPr>
+        <p:spPr>
+          <a:solidFill>
+            <a:srgbClr val="FFC000"/>
+          </a:solidFill>
+        </p:spPr>
+        <p:txBody>
+          <a:bodyPr>
+            <a:normAutofit fontScale="90000" lnSpcReduction="10000"/>
+          </a:bodyPr>
+          <a:p>
+            <a:pPr marL="0" indent="0">
+              <a:buNone/>
+            </a:pPr>
+            <a:endParaRPr lang="en-US"/>
+          </a:p>
+          <a:p>
+            <a:pPr marL="0" indent="0">
+              <a:buNone/>
+            </a:pPr>
+            <a:r>
+              <a:rPr lang="en-US"/>
+              <a:t> Identified trends in house prices over time.</a:t>
+            </a:r>
+            <a:endParaRPr lang="en-US"/>
+          </a:p>
+          <a:p>
+            <a:pPr marL="0" indent="0">
+              <a:buNone/>
+            </a:pPr>
+            <a:endParaRPr lang="en-US"/>
+          </a:p>
+          <a:p>
+            <a:pPr marL="0" indent="0">
+              <a:buNone/>
+            </a:pPr>
+            <a:r>
+              <a:rPr lang="en-US"/>
+              <a:t> Established relationships between key features and house prices.</a:t>
+            </a:r>
+            <a:endParaRPr lang="en-US"/>
+          </a:p>
+          <a:p>
+            <a:pPr marL="0" indent="0">
+              <a:buNone/>
+            </a:pPr>
+            <a:r>
+              <a:rPr lang="en-US"/>
+              <a:t>- Incorporated economic indicators to provide a more comprehensive analysis.</a:t>
+            </a:r>
+            <a:endParaRPr lang="en-US"/>
+          </a:p>
+          <a:p>
+            <a:pPr marL="457200" lvl="1" indent="0">
+              <a:buNone/>
+            </a:pPr>
+            <a:endParaRPr lang="en-US"/>
+          </a:p>
+          <a:p>
+            <a:r>
+              <a:rPr lang="en-US"/>
+              <a:t>Improved data quality.</a:t>
+            </a:r>
+            <a:endParaRPr lang="en-US"/>
+          </a:p>
+          <a:p>
+            <a:r>
+              <a:rPr lang="en-US"/>
+              <a:t>Enhanced feature set.</a:t>
+            </a:r>
+            <a:endParaRPr lang="en-US"/>
+          </a:p>
+          <a:p>
+            <a:r>
+              <a:rPr lang="en-US"/>
+              <a:t>Key insights visualized.</a:t>
+            </a:r>
+            <a:endParaRPr lang="en-US"/>
+          </a:p>
+          <a:p>
+            <a:r>
+              <a:rPr lang="en-US"/>
+              <a:t>Model readiness.</a:t>
+            </a:r>
+            <a:endParaRPr lang="en-US"/>
+          </a:p>
+        </p:txBody>
+      </p:sp>
     </p:spTree>
   </p:cSld>
   <p:clrMapOvr>
@@ -3840,10 +3942,6 @@
           </p:nvPr>
         </p:nvSpPr>
         <p:spPr>
-          <a:xfrm>
-            <a:off x="587375" y="365125"/>
-            <a:ext cx="10766425" cy="1040765"/>
-          </a:xfrm>
           <a:solidFill>
             <a:srgbClr val="00B0F0"/>
           </a:solidFill>
@@ -3853,7 +3951,7 @@
           <a:p>
             <a:pPr algn="ctr"/>
             <a:r>
-              <a:rPr lang="en-US" i="1" u="sng">
+              <a:rPr lang="en-US" i="1">
                 <a:effectLst>
                   <a:outerShdw blurRad="38100" dist="19050" dir="2700000" algn="tl" rotWithShape="0">
                     <a:schemeClr val="dk1">
@@ -3863,110 +3961,63 @@
                 </a:effectLst>
                 <a:sym typeface="+mn-ea"/>
               </a:rPr>
-              <a:t>Key features</a:t>
-            </a:r>
-            <a:endParaRPr lang="en-US"/>
-          </a:p>
-        </p:txBody>
-      </p:sp>
-      <p:pic>
-        <p:nvPicPr>
-          <p:cNvPr id="4" name="Content Placeholder 3" descr="Find the price per square foot"/>
-          <p:cNvPicPr>
-            <a:picLocks noChangeAspect="1"/>
-          </p:cNvPicPr>
+              <a:t>Challenges faced</a:t>
+            </a:r>
+            <a:endParaRPr lang="en-US"/>
+          </a:p>
+        </p:txBody>
+      </p:sp>
+      <p:sp>
+        <p:nvSpPr>
+          <p:cNvPr id="3" name="Content Placeholder 2"/>
+          <p:cNvSpPr>
+            <a:spLocks noGrp="1"/>
+          </p:cNvSpPr>
           <p:nvPr>
             <p:ph idx="1"/>
           </p:nvPr>
-        </p:nvPicPr>
-        <p:blipFill>
-          <a:blip r:embed="rId1"/>
-          <a:stretch>
-            <a:fillRect/>
-          </a:stretch>
-        </p:blipFill>
-        <p:spPr>
-          <a:xfrm>
-            <a:off x="5960745" y="4173855"/>
-            <a:ext cx="5393690" cy="2257425"/>
-          </a:xfrm>
-          <a:prstGeom prst="rect">
-            <a:avLst/>
-          </a:prstGeom>
-        </p:spPr>
-      </p:pic>
-      <p:pic>
-        <p:nvPicPr>
-          <p:cNvPr id="6" name="Picture 5" descr="heatmap-2halfpart"/>
-          <p:cNvPicPr>
-            <a:picLocks noChangeAspect="1"/>
-          </p:cNvPicPr>
-          <p:nvPr/>
-        </p:nvPicPr>
-        <p:blipFill>
-          <a:blip r:embed="rId2"/>
-          <a:stretch>
-            <a:fillRect/>
-          </a:stretch>
-        </p:blipFill>
-        <p:spPr>
-          <a:xfrm>
-            <a:off x="265430" y="4438015"/>
-            <a:ext cx="5483225" cy="2790825"/>
-          </a:xfrm>
-          <a:prstGeom prst="rect">
-            <a:avLst/>
-          </a:prstGeom>
-        </p:spPr>
-      </p:pic>
-      <p:pic>
-        <p:nvPicPr>
-          <p:cNvPr id="7" name="Picture 6" descr="heatmap-2"/>
-          <p:cNvPicPr>
-            <a:picLocks noChangeAspect="1"/>
-          </p:cNvPicPr>
-          <p:nvPr/>
-        </p:nvPicPr>
-        <p:blipFill>
-          <a:blip r:embed="rId3"/>
-          <a:stretch>
-            <a:fillRect/>
-          </a:stretch>
-        </p:blipFill>
-        <p:spPr>
-          <a:xfrm>
-            <a:off x="264795" y="1405890"/>
-            <a:ext cx="5589905" cy="3263265"/>
-          </a:xfrm>
-          <a:prstGeom prst="rect">
-            <a:avLst/>
-          </a:prstGeom>
-        </p:spPr>
-      </p:pic>
-      <p:pic>
-        <p:nvPicPr>
-          <p:cNvPr id="8" name="Picture 7" descr="new box plo-project-3"/>
-          <p:cNvPicPr>
-            <a:picLocks noChangeAspect="1"/>
-          </p:cNvPicPr>
-          <p:nvPr/>
-        </p:nvPicPr>
-        <p:blipFill>
-          <a:blip r:embed="rId4"/>
-          <a:stretch>
-            <a:fillRect/>
-          </a:stretch>
-        </p:blipFill>
-        <p:spPr>
-          <a:xfrm>
-            <a:off x="5854700" y="1483360"/>
-            <a:ext cx="4645025" cy="2091690"/>
-          </a:xfrm>
-          <a:prstGeom prst="rect">
-            <a:avLst/>
-          </a:prstGeom>
-        </p:spPr>
-      </p:pic>
+        </p:nvSpPr>
+        <p:spPr>
+          <a:solidFill>
+            <a:srgbClr val="FFC000"/>
+          </a:solidFill>
+        </p:spPr>
+        <p:txBody>
+          <a:bodyPr/>
+          <a:p>
+            <a:r>
+              <a:rPr lang="en-US"/>
+              <a:t>When i was doing this project i Faced the challenges like</a:t>
+            </a:r>
+            <a:endParaRPr lang="en-US"/>
+          </a:p>
+          <a:p>
+            <a:r>
+              <a:rPr lang="en-US"/>
+              <a:t> </a:t>
+            </a:r>
+            <a:r>
+              <a:rPr lang="en-US">
+                <a:sym typeface="+mn-ea"/>
+              </a:rPr>
+              <a:t>1-Error occur and findings their accurate solution .</a:t>
+            </a:r>
+            <a:endParaRPr lang="en-US"/>
+          </a:p>
+          <a:p>
+            <a:r>
+              <a:rPr lang="en-US">
+                <a:sym typeface="+mn-ea"/>
+              </a:rPr>
+              <a:t>2-Sometime i occur the problem NAN value came in output.</a:t>
+            </a:r>
+            <a:endParaRPr lang="en-US"/>
+          </a:p>
+          <a:p>
+            <a:endParaRPr lang="en-US"/>
+          </a:p>
+        </p:txBody>
+      </p:sp>
     </p:spTree>
   </p:cSld>
   <p:clrMapOvr>
@@ -4017,7 +4068,7 @@
           <a:p>
             <a:pPr algn="ctr"/>
             <a:r>
-              <a:rPr lang="en-US" i="1" u="sng">
+              <a:rPr lang="en-US" i="1">
                 <a:effectLst>
                   <a:outerShdw blurRad="38100" dist="19050" dir="2700000" algn="tl" rotWithShape="0">
                     <a:schemeClr val="dk1">
@@ -4027,7 +4078,7 @@
                 </a:effectLst>
                 <a:sym typeface="+mn-ea"/>
               </a:rPr>
-              <a:t>Key features</a:t>
+              <a:t>Conclusion</a:t>
             </a:r>
             <a:endParaRPr lang="en-US"/>
           </a:p>
@@ -4043,20 +4094,32 @@
             <p:ph idx="1"/>
           </p:nvPr>
         </p:nvSpPr>
-        <p:spPr/>
-        <p:txBody>
-          <a:bodyPr/>
-          <a:p>
-            <a:endParaRPr lang="en-US"/>
-          </a:p>
-          <a:p>
+        <p:spPr>
+          <a:solidFill>
+            <a:srgbClr val="FFC000"/>
+          </a:solidFill>
+        </p:spPr>
+        <p:txBody>
+          <a:bodyPr/>
+          <a:p>
+            <a:r>
+              <a:rPr lang="en-US"/>
+              <a:t>Conclusion</a:t>
+            </a:r>
+            <a:endParaRPr lang="en-US"/>
+          </a:p>
+          <a:p>
+            <a:r>
+              <a:rPr lang="en-US"/>
+              <a:t>This project highlights the importance of EDA and Feature Engineering in understanding and preparing the data for modeling. By applying these techniques, we can derive meaningful insights, handle data quality issues, and develop robust predictive models. The next steps involve fine-tuning the model, validating it, and exploring advanced machine learning algorithms to improve prediction accuracy</a:t>
+            </a:r>
             <a:endParaRPr lang="en-US"/>
           </a:p>
         </p:txBody>
       </p:sp>
       <p:pic>
         <p:nvPicPr>
-          <p:cNvPr id="4" name="Picture 3" descr="project-3 multivariate pairplot"/>
+          <p:cNvPr id="4" name="Picture 3" descr="flow chart of EDA"/>
           <p:cNvPicPr>
             <a:picLocks noChangeAspect="1"/>
           </p:cNvPicPr>
@@ -4070,32 +4133,8 @@
         </p:blipFill>
         <p:spPr>
           <a:xfrm>
-            <a:off x="542925" y="2792095"/>
-            <a:ext cx="5426075" cy="3385185"/>
-          </a:xfrm>
-          <a:prstGeom prst="rect">
-            <a:avLst/>
-          </a:prstGeom>
-        </p:spPr>
-      </p:pic>
-      <p:pic>
-        <p:nvPicPr>
-          <p:cNvPr id="5" name="Picture 4" descr="scatter plot for saleprice vssquare foot"/>
-          <p:cNvPicPr>
-            <a:picLocks noChangeAspect="1"/>
-          </p:cNvPicPr>
-          <p:nvPr/>
-        </p:nvPicPr>
-        <p:blipFill>
-          <a:blip r:embed="rId2"/>
-          <a:stretch>
-            <a:fillRect/>
-          </a:stretch>
-        </p:blipFill>
-        <p:spPr>
-          <a:xfrm>
-            <a:off x="5969635" y="2974340"/>
-            <a:ext cx="6024880" cy="3435985"/>
+            <a:off x="8049260" y="364490"/>
+            <a:ext cx="3827780" cy="1326515"/>
           </a:xfrm>
           <a:prstGeom prst="rect">
             <a:avLst/>
@@ -4123,855 +4162,6 @@
 </file>
 
 <file path=ppt/slides/slide16.xml><?xml version="1.0" encoding="utf-8"?>
-<p:sld xmlns:a="http://schemas.openxmlformats.org/drawingml/2006/main" xmlns:r="http://schemas.openxmlformats.org/officeDocument/2006/relationships" xmlns:p="http://schemas.openxmlformats.org/presentationml/2006/main">
-  <p:cSld>
-    <p:spTree>
-      <p:nvGrpSpPr>
-        <p:cNvPr id="1" name=""/>
-        <p:cNvGrpSpPr/>
-        <p:nvPr/>
-      </p:nvGrpSpPr>
-      <p:grpSpPr/>
-      <p:sp>
-        <p:nvSpPr>
-          <p:cNvPr id="2" name="Title 1"/>
-          <p:cNvSpPr>
-            <a:spLocks noGrp="1"/>
-          </p:cNvSpPr>
-          <p:nvPr>
-            <p:ph type="title"/>
-          </p:nvPr>
-        </p:nvSpPr>
-        <p:spPr>
-          <a:solidFill>
-            <a:srgbClr val="00B0F0"/>
-          </a:solidFill>
-        </p:spPr>
-        <p:txBody>
-          <a:bodyPr/>
-          <a:p>
-            <a:pPr algn="ctr"/>
-            <a:r>
-              <a:rPr lang="en-US" i="1" u="sng">
-                <a:effectLst>
-                  <a:outerShdw blurRad="38100" dist="19050" dir="2700000" algn="tl" rotWithShape="0">
-                    <a:schemeClr val="dk1">
-                      <a:alpha val="40000"/>
-                    </a:schemeClr>
-                  </a:outerShdw>
-                </a:effectLst>
-                <a:sym typeface="+mn-ea"/>
-              </a:rPr>
-              <a:t>Key features</a:t>
-            </a:r>
-            <a:endParaRPr lang="en-US"/>
-          </a:p>
-        </p:txBody>
-      </p:sp>
-      <p:pic>
-        <p:nvPicPr>
-          <p:cNvPr id="4" name="Content Placeholder 3" descr="project-3 multivariate pairplot"/>
-          <p:cNvPicPr>
-            <a:picLocks noChangeAspect="1"/>
-          </p:cNvPicPr>
-          <p:nvPr>
-            <p:ph idx="1"/>
-          </p:nvPr>
-        </p:nvPicPr>
-        <p:blipFill>
-          <a:blip r:embed="rId1"/>
-          <a:stretch>
-            <a:fillRect/>
-          </a:stretch>
-        </p:blipFill>
-        <p:spPr>
-          <a:xfrm>
-            <a:off x="643255" y="2394585"/>
-            <a:ext cx="4855210" cy="3907790"/>
-          </a:xfrm>
-          <a:prstGeom prst="rect">
-            <a:avLst/>
-          </a:prstGeom>
-        </p:spPr>
-      </p:pic>
-      <p:pic>
-        <p:nvPicPr>
-          <p:cNvPr id="5" name="Picture 4" descr="Scatter plot-3"/>
-          <p:cNvPicPr>
-            <a:picLocks noChangeAspect="1"/>
-          </p:cNvPicPr>
-          <p:nvPr/>
-        </p:nvPicPr>
-        <p:blipFill>
-          <a:blip r:embed="rId2"/>
-          <a:stretch>
-            <a:fillRect/>
-          </a:stretch>
-        </p:blipFill>
-        <p:spPr>
-          <a:xfrm>
-            <a:off x="5858510" y="2492375"/>
-            <a:ext cx="5354955" cy="4091305"/>
-          </a:xfrm>
-          <a:prstGeom prst="rect">
-            <a:avLst/>
-          </a:prstGeom>
-        </p:spPr>
-      </p:pic>
-    </p:spTree>
-  </p:cSld>
-  <p:clrMapOvr>
-    <a:masterClrMapping/>
-  </p:clrMapOvr>
-  <mc:AlternateContent xmlns:mc="http://schemas.openxmlformats.org/markup-compatibility/2006">
-    <mc:Choice xmlns:p14="http://schemas.microsoft.com/office/powerpoint/2010/main" Requires="p14">
-      <p:transition spd="slow" p14:dur="1600">
-        <p:blinds/>
-      </p:transition>
-    </mc:Choice>
-    <mc:Fallback>
-      <p:transition spd="slow">
-        <p:blinds/>
-      </p:transition>
-    </mc:Fallback>
-  </mc:AlternateContent>
-</p:sld>
-</file>
-
-<file path=ppt/slides/slide17.xml><?xml version="1.0" encoding="utf-8"?>
-<p:sld xmlns:a="http://schemas.openxmlformats.org/drawingml/2006/main" xmlns:r="http://schemas.openxmlformats.org/officeDocument/2006/relationships" xmlns:p="http://schemas.openxmlformats.org/presentationml/2006/main">
-  <p:cSld>
-    <p:spTree>
-      <p:nvGrpSpPr>
-        <p:cNvPr id="1" name=""/>
-        <p:cNvGrpSpPr/>
-        <p:nvPr/>
-      </p:nvGrpSpPr>
-      <p:grpSpPr/>
-      <p:sp>
-        <p:nvSpPr>
-          <p:cNvPr id="2" name="Title 1"/>
-          <p:cNvSpPr>
-            <a:spLocks noGrp="1"/>
-          </p:cNvSpPr>
-          <p:nvPr>
-            <p:ph type="title"/>
-          </p:nvPr>
-        </p:nvSpPr>
-        <p:spPr>
-          <a:solidFill>
-            <a:srgbClr val="00B0F0"/>
-          </a:solidFill>
-        </p:spPr>
-        <p:txBody>
-          <a:bodyPr/>
-          <a:p>
-            <a:pPr algn="ctr"/>
-            <a:r>
-              <a:rPr lang="en-US" i="1" u="sng">
-                <a:effectLst>
-                  <a:outerShdw blurRad="38100" dist="19050" dir="2700000" algn="tl" rotWithShape="0">
-                    <a:schemeClr val="dk1">
-                      <a:alpha val="40000"/>
-                    </a:schemeClr>
-                  </a:outerShdw>
-                </a:effectLst>
-                <a:sym typeface="+mn-ea"/>
-              </a:rPr>
-              <a:t>Key features</a:t>
-            </a:r>
-            <a:endParaRPr lang="en-US"/>
-          </a:p>
-        </p:txBody>
-      </p:sp>
-      <p:pic>
-        <p:nvPicPr>
-          <p:cNvPr id="4" name="Content Placeholder 3" descr="pairplot of key features"/>
-          <p:cNvPicPr>
-            <a:picLocks noChangeAspect="1"/>
-          </p:cNvPicPr>
-          <p:nvPr>
-            <p:ph idx="1"/>
-          </p:nvPr>
-        </p:nvPicPr>
-        <p:blipFill>
-          <a:blip r:embed="rId1"/>
-          <a:stretch>
-            <a:fillRect/>
-          </a:stretch>
-        </p:blipFill>
-        <p:spPr>
-          <a:xfrm>
-            <a:off x="414020" y="1691005"/>
-            <a:ext cx="6473190" cy="4351655"/>
-          </a:xfrm>
-          <a:prstGeom prst="rect">
-            <a:avLst/>
-          </a:prstGeom>
-        </p:spPr>
-      </p:pic>
-      <p:pic>
-        <p:nvPicPr>
-          <p:cNvPr id="3" name="Picture 2" descr="univariate analysis-3"/>
-          <p:cNvPicPr>
-            <a:picLocks noChangeAspect="1"/>
-          </p:cNvPicPr>
-          <p:nvPr/>
-        </p:nvPicPr>
-        <p:blipFill>
-          <a:blip r:embed="rId2"/>
-          <a:stretch>
-            <a:fillRect/>
-          </a:stretch>
-        </p:blipFill>
-        <p:spPr>
-          <a:xfrm>
-            <a:off x="6887210" y="2080260"/>
-            <a:ext cx="5304790" cy="3963035"/>
-          </a:xfrm>
-          <a:prstGeom prst="rect">
-            <a:avLst/>
-          </a:prstGeom>
-        </p:spPr>
-      </p:pic>
-      <p:sp>
-        <p:nvSpPr>
-          <p:cNvPr id="5" name="Text Box 4"/>
-          <p:cNvSpPr txBox="1"/>
-          <p:nvPr/>
-        </p:nvSpPr>
-        <p:spPr>
-          <a:xfrm>
-            <a:off x="7185660" y="1841500"/>
-            <a:ext cx="4064000" cy="368300"/>
-          </a:xfrm>
-          <a:prstGeom prst="rect">
-            <a:avLst/>
-          </a:prstGeom>
-          <a:noFill/>
-        </p:spPr>
-        <p:txBody>
-          <a:bodyPr wrap="square" rtlCol="0">
-            <a:spAutoFit/>
-          </a:bodyPr>
-          <a:p>
-            <a:r>
-              <a:rPr lang="en-US"/>
-              <a:t>Univariate analysis of month sold</a:t>
-            </a:r>
-            <a:endParaRPr lang="en-US"/>
-          </a:p>
-        </p:txBody>
-      </p:sp>
-    </p:spTree>
-  </p:cSld>
-  <p:clrMapOvr>
-    <a:masterClrMapping/>
-  </p:clrMapOvr>
-  <mc:AlternateContent xmlns:mc="http://schemas.openxmlformats.org/markup-compatibility/2006">
-    <mc:Choice xmlns:p14="http://schemas.microsoft.com/office/powerpoint/2010/main" Requires="p14">
-      <p:transition spd="slow" p14:dur="1600">
-        <p:blinds/>
-      </p:transition>
-    </mc:Choice>
-    <mc:Fallback>
-      <p:transition spd="slow">
-        <p:blinds/>
-      </p:transition>
-    </mc:Fallback>
-  </mc:AlternateContent>
-</p:sld>
-</file>
-
-<file path=ppt/slides/slide18.xml><?xml version="1.0" encoding="utf-8"?>
-<p:sld xmlns:a="http://schemas.openxmlformats.org/drawingml/2006/main" xmlns:r="http://schemas.openxmlformats.org/officeDocument/2006/relationships" xmlns:p="http://schemas.openxmlformats.org/presentationml/2006/main">
-  <p:cSld>
-    <p:spTree>
-      <p:nvGrpSpPr>
-        <p:cNvPr id="1" name=""/>
-        <p:cNvGrpSpPr/>
-        <p:nvPr/>
-      </p:nvGrpSpPr>
-      <p:grpSpPr/>
-      <p:sp>
-        <p:nvSpPr>
-          <p:cNvPr id="2" name="Title 1"/>
-          <p:cNvSpPr>
-            <a:spLocks noGrp="1"/>
-          </p:cNvSpPr>
-          <p:nvPr>
-            <p:ph type="title"/>
-          </p:nvPr>
-        </p:nvSpPr>
-        <p:spPr>
-          <a:solidFill>
-            <a:srgbClr val="00B0F0"/>
-          </a:solidFill>
-        </p:spPr>
-        <p:txBody>
-          <a:bodyPr/>
-          <a:p>
-            <a:pPr algn="ctr"/>
-            <a:r>
-              <a:rPr lang="en-US">
-                <a:effectLst>
-                  <a:outerShdw blurRad="38100" dist="19050" dir="2700000" algn="tl" rotWithShape="0">
-                    <a:schemeClr val="dk1">
-                      <a:alpha val="40000"/>
-                    </a:schemeClr>
-                  </a:outerShdw>
-                </a:effectLst>
-                <a:sym typeface="+mn-ea"/>
-              </a:rPr>
-              <a:t>Result &amp; Achievements</a:t>
-            </a:r>
-            <a:endParaRPr lang="en-US"/>
-          </a:p>
-        </p:txBody>
-      </p:sp>
-      <p:sp>
-        <p:nvSpPr>
-          <p:cNvPr id="3" name="Content Placeholder 2"/>
-          <p:cNvSpPr>
-            <a:spLocks noGrp="1"/>
-          </p:cNvSpPr>
-          <p:nvPr>
-            <p:ph idx="1"/>
-          </p:nvPr>
-        </p:nvSpPr>
-        <p:spPr>
-          <a:solidFill>
-            <a:srgbClr val="FFC000"/>
-          </a:solidFill>
-        </p:spPr>
-        <p:txBody>
-          <a:bodyPr>
-            <a:normAutofit fontScale="90000" lnSpcReduction="10000"/>
-          </a:bodyPr>
-          <a:p>
-            <a:pPr marL="0" indent="0">
-              <a:buNone/>
-            </a:pPr>
-            <a:endParaRPr lang="en-US"/>
-          </a:p>
-          <a:p>
-            <a:pPr marL="0" indent="0">
-              <a:buNone/>
-            </a:pPr>
-            <a:r>
-              <a:rPr lang="en-US"/>
-              <a:t> Identified trends in house prices over time.</a:t>
-            </a:r>
-            <a:endParaRPr lang="en-US"/>
-          </a:p>
-          <a:p>
-            <a:pPr marL="0" indent="0">
-              <a:buNone/>
-            </a:pPr>
-            <a:endParaRPr lang="en-US"/>
-          </a:p>
-          <a:p>
-            <a:pPr marL="0" indent="0">
-              <a:buNone/>
-            </a:pPr>
-            <a:r>
-              <a:rPr lang="en-US"/>
-              <a:t> Established relationships between key features and house prices.</a:t>
-            </a:r>
-            <a:endParaRPr lang="en-US"/>
-          </a:p>
-          <a:p>
-            <a:pPr marL="0" indent="0">
-              <a:buNone/>
-            </a:pPr>
-            <a:r>
-              <a:rPr lang="en-US"/>
-              <a:t>- Incorporated economic indicators to provide a more comprehensive analysis.</a:t>
-            </a:r>
-            <a:endParaRPr lang="en-US"/>
-          </a:p>
-          <a:p>
-            <a:pPr marL="457200" lvl="1" indent="0">
-              <a:buNone/>
-            </a:pPr>
-            <a:endParaRPr lang="en-US"/>
-          </a:p>
-          <a:p>
-            <a:r>
-              <a:rPr lang="en-US"/>
-              <a:t>Improved data quality.</a:t>
-            </a:r>
-            <a:endParaRPr lang="en-US"/>
-          </a:p>
-          <a:p>
-            <a:r>
-              <a:rPr lang="en-US"/>
-              <a:t>Enhanced feature set.</a:t>
-            </a:r>
-            <a:endParaRPr lang="en-US"/>
-          </a:p>
-          <a:p>
-            <a:r>
-              <a:rPr lang="en-US"/>
-              <a:t>Key insights visualized.</a:t>
-            </a:r>
-            <a:endParaRPr lang="en-US"/>
-          </a:p>
-          <a:p>
-            <a:r>
-              <a:rPr lang="en-US"/>
-              <a:t>Model readiness.</a:t>
-            </a:r>
-            <a:endParaRPr lang="en-US"/>
-          </a:p>
-        </p:txBody>
-      </p:sp>
-    </p:spTree>
-  </p:cSld>
-  <p:clrMapOvr>
-    <a:masterClrMapping/>
-  </p:clrMapOvr>
-  <mc:AlternateContent xmlns:mc="http://schemas.openxmlformats.org/markup-compatibility/2006">
-    <mc:Choice xmlns:p14="http://schemas.microsoft.com/office/powerpoint/2010/main" Requires="p14">
-      <p:transition spd="slow" p14:dur="1600">
-        <p:blinds/>
-      </p:transition>
-    </mc:Choice>
-    <mc:Fallback>
-      <p:transition spd="slow">
-        <p:blinds/>
-      </p:transition>
-    </mc:Fallback>
-  </mc:AlternateContent>
-</p:sld>
-</file>
-
-<file path=ppt/slides/slide19.xml><?xml version="1.0" encoding="utf-8"?>
-<p:sld xmlns:a="http://schemas.openxmlformats.org/drawingml/2006/main" xmlns:r="http://schemas.openxmlformats.org/officeDocument/2006/relationships" xmlns:p="http://schemas.openxmlformats.org/presentationml/2006/main">
-  <p:cSld>
-    <p:spTree>
-      <p:nvGrpSpPr>
-        <p:cNvPr id="1" name=""/>
-        <p:cNvGrpSpPr/>
-        <p:nvPr/>
-      </p:nvGrpSpPr>
-      <p:grpSpPr/>
-      <p:sp>
-        <p:nvSpPr>
-          <p:cNvPr id="2" name="Title 1"/>
-          <p:cNvSpPr>
-            <a:spLocks noGrp="1"/>
-          </p:cNvSpPr>
-          <p:nvPr>
-            <p:ph type="title"/>
-          </p:nvPr>
-        </p:nvSpPr>
-        <p:spPr>
-          <a:solidFill>
-            <a:srgbClr val="00B0F0"/>
-          </a:solidFill>
-        </p:spPr>
-        <p:txBody>
-          <a:bodyPr/>
-          <a:p>
-            <a:pPr algn="ctr"/>
-            <a:r>
-              <a:rPr lang="en-US" i="1">
-                <a:effectLst>
-                  <a:outerShdw blurRad="38100" dist="19050" dir="2700000" algn="tl" rotWithShape="0">
-                    <a:schemeClr val="dk1">
-                      <a:alpha val="40000"/>
-                    </a:schemeClr>
-                  </a:outerShdw>
-                </a:effectLst>
-                <a:sym typeface="+mn-ea"/>
-              </a:rPr>
-              <a:t>Challenges faced</a:t>
-            </a:r>
-            <a:endParaRPr lang="en-US"/>
-          </a:p>
-        </p:txBody>
-      </p:sp>
-      <p:sp>
-        <p:nvSpPr>
-          <p:cNvPr id="3" name="Content Placeholder 2"/>
-          <p:cNvSpPr>
-            <a:spLocks noGrp="1"/>
-          </p:cNvSpPr>
-          <p:nvPr>
-            <p:ph idx="1"/>
-          </p:nvPr>
-        </p:nvSpPr>
-        <p:spPr>
-          <a:solidFill>
-            <a:srgbClr val="FFC000"/>
-          </a:solidFill>
-        </p:spPr>
-        <p:txBody>
-          <a:bodyPr/>
-          <a:p>
-            <a:r>
-              <a:rPr lang="en-US"/>
-              <a:t>When i was doing this project i Faced the challenges like</a:t>
-            </a:r>
-            <a:endParaRPr lang="en-US"/>
-          </a:p>
-          <a:p>
-            <a:r>
-              <a:rPr lang="en-US"/>
-              <a:t> </a:t>
-            </a:r>
-            <a:r>
-              <a:rPr lang="en-US">
-                <a:sym typeface="+mn-ea"/>
-              </a:rPr>
-              <a:t>1-Error occur and findings their accurate solution .</a:t>
-            </a:r>
-            <a:endParaRPr lang="en-US"/>
-          </a:p>
-          <a:p>
-            <a:r>
-              <a:rPr lang="en-US">
-                <a:sym typeface="+mn-ea"/>
-              </a:rPr>
-              <a:t>2-Sometime i occur the problem NAN value came in output.</a:t>
-            </a:r>
-            <a:endParaRPr lang="en-US"/>
-          </a:p>
-          <a:p>
-            <a:endParaRPr lang="en-US"/>
-          </a:p>
-        </p:txBody>
-      </p:sp>
-    </p:spTree>
-  </p:cSld>
-  <p:clrMapOvr>
-    <a:masterClrMapping/>
-  </p:clrMapOvr>
-  <mc:AlternateContent xmlns:mc="http://schemas.openxmlformats.org/markup-compatibility/2006">
-    <mc:Choice xmlns:p14="http://schemas.microsoft.com/office/powerpoint/2010/main" Requires="p14">
-      <p:transition spd="slow" p14:dur="1600">
-        <p:blinds/>
-      </p:transition>
-    </mc:Choice>
-    <mc:Fallback>
-      <p:transition spd="slow">
-        <p:blinds/>
-      </p:transition>
-    </mc:Fallback>
-  </mc:AlternateContent>
-</p:sld>
-</file>
-
-<file path=ppt/slides/slide2.xml><?xml version="1.0" encoding="utf-8"?>
-<p:sld xmlns:a="http://schemas.openxmlformats.org/drawingml/2006/main" xmlns:r="http://schemas.openxmlformats.org/officeDocument/2006/relationships" xmlns:p="http://schemas.openxmlformats.org/presentationml/2006/main">
-  <p:cSld>
-    <p:spTree>
-      <p:nvGrpSpPr>
-        <p:cNvPr id="1" name=""/>
-        <p:cNvGrpSpPr/>
-        <p:nvPr/>
-      </p:nvGrpSpPr>
-      <p:grpSpPr/>
-      <p:sp>
-        <p:nvSpPr>
-          <p:cNvPr id="2" name="Title 1"/>
-          <p:cNvSpPr>
-            <a:spLocks noGrp="1"/>
-          </p:cNvSpPr>
-          <p:nvPr>
-            <p:ph type="title"/>
-          </p:nvPr>
-        </p:nvSpPr>
-        <p:spPr>
-          <a:solidFill>
-            <a:srgbClr val="00B0F0"/>
-          </a:solidFill>
-        </p:spPr>
-        <p:txBody>
-          <a:bodyPr/>
-          <a:p>
-            <a:pPr algn="ctr"/>
-            <a:r>
-              <a:rPr lang="en-US" i="1"/>
-              <a:t>Introduction</a:t>
-            </a:r>
-            <a:endParaRPr lang="en-US" i="1"/>
-          </a:p>
-        </p:txBody>
-      </p:sp>
-      <p:sp>
-        <p:nvSpPr>
-          <p:cNvPr id="3" name="Content Placeholder 2"/>
-          <p:cNvSpPr>
-            <a:spLocks noGrp="1"/>
-          </p:cNvSpPr>
-          <p:nvPr>
-            <p:ph idx="1"/>
-          </p:nvPr>
-        </p:nvSpPr>
-        <p:spPr>
-          <a:solidFill>
-            <a:srgbClr val="FFC000"/>
-          </a:solidFill>
-        </p:spPr>
-        <p:txBody>
-          <a:bodyPr>
-            <a:noAutofit/>
-          </a:bodyPr>
-          <a:p>
-            <a:r>
-              <a:rPr lang="en-US" sz="2000"/>
-              <a:t>Exploratory Data Analysis (EDA) involves examining and understanding the structure, patterns, and relationships within a dataset.Exploratory Data Analysis (EDA) involves several steps to gain insights into the dataset. Here are the typical steps along.</a:t>
-            </a:r>
-            <a:endParaRPr lang="en-US" sz="2000"/>
-          </a:p>
-          <a:p>
-            <a:r>
-              <a:rPr lang="en-US" sz="2000"/>
-              <a:t>Load the Dataset</a:t>
-            </a:r>
-            <a:endParaRPr lang="en-US" sz="2000"/>
-          </a:p>
-          <a:p>
-            <a:r>
-              <a:rPr lang="en-US" sz="2000">
-                <a:sym typeface="+mn-ea"/>
-              </a:rPr>
-              <a:t>Understand the Dataset</a:t>
-            </a:r>
-            <a:endParaRPr lang="en-US" sz="2000">
-              <a:sym typeface="+mn-ea"/>
-            </a:endParaRPr>
-          </a:p>
-          <a:p>
-            <a:r>
-              <a:rPr lang="en-US" sz="2000"/>
-              <a:t> </a:t>
-            </a:r>
-            <a:r>
-              <a:rPr lang="en-US" sz="2000">
-                <a:sym typeface="+mn-ea"/>
-              </a:rPr>
-              <a:t>Summary Statistics</a:t>
-            </a:r>
-            <a:endParaRPr lang="en-US" sz="2000"/>
-          </a:p>
-          <a:p>
-            <a:r>
-              <a:rPr lang="en-US" sz="2000"/>
-              <a:t> </a:t>
-            </a:r>
-            <a:r>
-              <a:rPr lang="en-US" sz="2000">
-                <a:sym typeface="+mn-ea"/>
-              </a:rPr>
-              <a:t>Data Visualization:</a:t>
-            </a:r>
-            <a:endParaRPr lang="en-US" sz="2000"/>
-          </a:p>
-          <a:p>
-            <a:r>
-              <a:rPr lang="en-US" sz="2000"/>
-              <a:t>  </a:t>
-            </a:r>
-            <a:r>
-              <a:rPr lang="en-US" sz="2000">
-                <a:sym typeface="+mn-ea"/>
-              </a:rPr>
-              <a:t>Correlation Analysis:</a:t>
-            </a:r>
-            <a:endParaRPr lang="en-US" sz="2000"/>
-          </a:p>
-          <a:p>
-            <a:r>
-              <a:rPr lang="en-US" sz="2000"/>
-              <a:t>  Feature Engineering</a:t>
-            </a:r>
-            <a:endParaRPr lang="en-US" sz="2000"/>
-          </a:p>
-          <a:p>
-            <a:r>
-              <a:rPr lang="en-US" sz="2000"/>
-              <a:t>Outlier Detection </a:t>
-            </a:r>
-            <a:endParaRPr lang="en-US" sz="2000"/>
-          </a:p>
-          <a:p>
-            <a:r>
-              <a:rPr lang="en-US" sz="2000"/>
-              <a:t> Data Cleaning:       </a:t>
-            </a:r>
-            <a:endParaRPr lang="en-US" sz="2000"/>
-          </a:p>
-          <a:p>
-            <a:pPr marL="0" indent="0">
-              <a:buNone/>
-            </a:pPr>
-            <a:endParaRPr lang="en-US" sz="2000"/>
-          </a:p>
-          <a:p>
-            <a:pPr marL="0" indent="0">
-              <a:buNone/>
-            </a:pPr>
-            <a:r>
-              <a:rPr lang="en-US" sz="2000"/>
-              <a:t>  </a:t>
-            </a:r>
-            <a:endParaRPr lang="en-US" sz="2000"/>
-          </a:p>
-          <a:p>
-            <a:endParaRPr lang="en-US" sz="2000"/>
-          </a:p>
-          <a:p>
-            <a:endParaRPr lang="en-US" sz="1000"/>
-          </a:p>
-        </p:txBody>
-      </p:sp>
-    </p:spTree>
-  </p:cSld>
-  <p:clrMapOvr>
-    <a:masterClrMapping/>
-  </p:clrMapOvr>
-  <mc:AlternateContent xmlns:mc="http://schemas.openxmlformats.org/markup-compatibility/2006">
-    <mc:Choice xmlns:p14="http://schemas.microsoft.com/office/powerpoint/2010/main" Requires="p14">
-      <p:transition spd="slow" p14:dur="1600">
-        <p:blinds/>
-      </p:transition>
-    </mc:Choice>
-    <mc:Fallback>
-      <p:transition spd="slow">
-        <p:blinds/>
-      </p:transition>
-    </mc:Fallback>
-  </mc:AlternateContent>
-</p:sld>
-</file>
-
-<file path=ppt/slides/slide20.xml><?xml version="1.0" encoding="utf-8"?>
-<p:sld xmlns:a="http://schemas.openxmlformats.org/drawingml/2006/main" xmlns:r="http://schemas.openxmlformats.org/officeDocument/2006/relationships" xmlns:p="http://schemas.openxmlformats.org/presentationml/2006/main">
-  <p:cSld>
-    <p:spTree>
-      <p:nvGrpSpPr>
-        <p:cNvPr id="1" name=""/>
-        <p:cNvGrpSpPr/>
-        <p:nvPr/>
-      </p:nvGrpSpPr>
-      <p:grpSpPr/>
-      <p:sp>
-        <p:nvSpPr>
-          <p:cNvPr id="2" name="Title 1"/>
-          <p:cNvSpPr>
-            <a:spLocks noGrp="1"/>
-          </p:cNvSpPr>
-          <p:nvPr>
-            <p:ph type="title"/>
-          </p:nvPr>
-        </p:nvSpPr>
-        <p:spPr>
-          <a:solidFill>
-            <a:srgbClr val="00B0F0"/>
-          </a:solidFill>
-        </p:spPr>
-        <p:txBody>
-          <a:bodyPr/>
-          <a:p>
-            <a:pPr algn="ctr"/>
-            <a:r>
-              <a:rPr lang="en-US" i="1">
-                <a:effectLst>
-                  <a:outerShdw blurRad="38100" dist="19050" dir="2700000" algn="tl" rotWithShape="0">
-                    <a:schemeClr val="dk1">
-                      <a:alpha val="40000"/>
-                    </a:schemeClr>
-                  </a:outerShdw>
-                </a:effectLst>
-                <a:sym typeface="+mn-ea"/>
-              </a:rPr>
-              <a:t>Conclusion</a:t>
-            </a:r>
-            <a:endParaRPr lang="en-US"/>
-          </a:p>
-        </p:txBody>
-      </p:sp>
-      <p:sp>
-        <p:nvSpPr>
-          <p:cNvPr id="3" name="Content Placeholder 2"/>
-          <p:cNvSpPr>
-            <a:spLocks noGrp="1"/>
-          </p:cNvSpPr>
-          <p:nvPr>
-            <p:ph idx="1"/>
-          </p:nvPr>
-        </p:nvSpPr>
-        <p:spPr>
-          <a:solidFill>
-            <a:srgbClr val="FFC000"/>
-          </a:solidFill>
-        </p:spPr>
-        <p:txBody>
-          <a:bodyPr/>
-          <a:p>
-            <a:r>
-              <a:rPr lang="en-US"/>
-              <a:t>Conclusion</a:t>
-            </a:r>
-            <a:endParaRPr lang="en-US"/>
-          </a:p>
-          <a:p>
-            <a:r>
-              <a:rPr lang="en-US"/>
-              <a:t>This project highlights the importance of EDA and Feature Engineering in understanding and preparing the data for modeling. By applying these techniques, we can derive meaningful insights, handle data quality issues, and develop robust predictive models. The next steps involve fine-tuning the model, validating it, and exploring advanced machine learning algorithms to improve prediction accuracy</a:t>
-            </a:r>
-            <a:endParaRPr lang="en-US"/>
-          </a:p>
-        </p:txBody>
-      </p:sp>
-      <p:pic>
-        <p:nvPicPr>
-          <p:cNvPr id="4" name="Picture 3" descr="flow chart of EDA"/>
-          <p:cNvPicPr>
-            <a:picLocks noChangeAspect="1"/>
-          </p:cNvPicPr>
-          <p:nvPr/>
-        </p:nvPicPr>
-        <p:blipFill>
-          <a:blip r:embed="rId1"/>
-          <a:stretch>
-            <a:fillRect/>
-          </a:stretch>
-        </p:blipFill>
-        <p:spPr>
-          <a:xfrm>
-            <a:off x="8049260" y="364490"/>
-            <a:ext cx="3827780" cy="1326515"/>
-          </a:xfrm>
-          <a:prstGeom prst="rect">
-            <a:avLst/>
-          </a:prstGeom>
-        </p:spPr>
-      </p:pic>
-    </p:spTree>
-  </p:cSld>
-  <p:clrMapOvr>
-    <a:masterClrMapping/>
-  </p:clrMapOvr>
-  <mc:AlternateContent xmlns:mc="http://schemas.openxmlformats.org/markup-compatibility/2006">
-    <mc:Choice xmlns:p14="http://schemas.microsoft.com/office/powerpoint/2010/main" Requires="p14">
-      <p:transition spd="slow" p14:dur="1600">
-        <p:blinds/>
-      </p:transition>
-    </mc:Choice>
-    <mc:Fallback>
-      <p:transition spd="slow">
-        <p:blinds/>
-      </p:transition>
-    </mc:Fallback>
-  </mc:AlternateContent>
-</p:sld>
-</file>
-
-<file path=ppt/slides/slide21.xml><?xml version="1.0" encoding="utf-8"?>
 <p:sld xmlns:a="http://schemas.openxmlformats.org/drawingml/2006/main" xmlns:r="http://schemas.openxmlformats.org/officeDocument/2006/relationships" xmlns:p="http://schemas.openxmlformats.org/presentationml/2006/main">
   <p:cSld>
     <p:spTree>
@@ -5100,13 +4290,198 @@
   </p:clrMapOvr>
   <mc:AlternateContent xmlns:mc="http://schemas.openxmlformats.org/markup-compatibility/2006">
     <mc:Choice xmlns:p14="http://schemas.microsoft.com/office/powerpoint/2010/main" Requires="p14">
-      <p:transition spd="slow" p14:dur="1000">
-        <p:wheel spokes="8"/>
+      <p:transition spd="slow" p14:dur="1600">
+        <p:blinds/>
       </p:transition>
     </mc:Choice>
     <mc:Fallback>
       <p:transition spd="slow">
-        <p:wheel spokes="8"/>
+        <p:blinds/>
+      </p:transition>
+    </mc:Fallback>
+  </mc:AlternateContent>
+</p:sld>
+</file>
+
+<file path=ppt/slides/slide2.xml><?xml version="1.0" encoding="utf-8"?>
+<p:sld xmlns:a="http://schemas.openxmlformats.org/drawingml/2006/main" xmlns:r="http://schemas.openxmlformats.org/officeDocument/2006/relationships" xmlns:p="http://schemas.openxmlformats.org/presentationml/2006/main">
+  <p:cSld>
+    <p:spTree>
+      <p:nvGrpSpPr>
+        <p:cNvPr id="1" name=""/>
+        <p:cNvGrpSpPr/>
+        <p:nvPr/>
+      </p:nvGrpSpPr>
+      <p:grpSpPr/>
+      <p:sp>
+        <p:nvSpPr>
+          <p:cNvPr id="2" name="Title 1"/>
+          <p:cNvSpPr>
+            <a:spLocks noGrp="1"/>
+          </p:cNvSpPr>
+          <p:nvPr>
+            <p:ph type="title"/>
+          </p:nvPr>
+        </p:nvSpPr>
+        <p:spPr>
+          <a:solidFill>
+            <a:srgbClr val="00B0F0"/>
+          </a:solidFill>
+        </p:spPr>
+        <p:txBody>
+          <a:bodyPr/>
+          <a:p>
+            <a:pPr algn="ctr"/>
+            <a:r>
+              <a:rPr lang="en-US" i="1"/>
+              <a:t>Introduction</a:t>
+            </a:r>
+            <a:endParaRPr lang="en-US" i="1"/>
+          </a:p>
+        </p:txBody>
+      </p:sp>
+      <p:sp>
+        <p:nvSpPr>
+          <p:cNvPr id="3" name="Content Placeholder 2"/>
+          <p:cNvSpPr>
+            <a:spLocks noGrp="1"/>
+          </p:cNvSpPr>
+          <p:nvPr>
+            <p:ph idx="1"/>
+          </p:nvPr>
+        </p:nvSpPr>
+        <p:spPr>
+          <a:solidFill>
+            <a:srgbClr val="FFC000"/>
+          </a:solidFill>
+        </p:spPr>
+        <p:txBody>
+          <a:bodyPr>
+            <a:noAutofit/>
+          </a:bodyPr>
+          <a:p>
+            <a:r>
+              <a:rPr lang="en-US" sz="2000"/>
+              <a:t>Exploratory Data Analysis (EDA) involves examining and understanding the structure, patterns, and relationships within a dataset.Exploratory Data Analysis (EDA) involves several steps to gain insights into the dataset. Here are the typical steps along.</a:t>
+            </a:r>
+            <a:endParaRPr lang="en-US" sz="2000"/>
+          </a:p>
+          <a:p>
+            <a:r>
+              <a:rPr lang="en-US" sz="2000"/>
+              <a:t>Load the Dataset</a:t>
+            </a:r>
+            <a:endParaRPr lang="en-US" sz="2000"/>
+          </a:p>
+          <a:p>
+            <a:r>
+              <a:rPr lang="en-US" sz="2000">
+                <a:sym typeface="+mn-ea"/>
+              </a:rPr>
+              <a:t>Understand the Dataset</a:t>
+            </a:r>
+            <a:endParaRPr lang="en-US" sz="2000">
+              <a:sym typeface="+mn-ea"/>
+            </a:endParaRPr>
+          </a:p>
+          <a:p>
+            <a:r>
+              <a:rPr lang="en-US" sz="2000"/>
+              <a:t> </a:t>
+            </a:r>
+            <a:r>
+              <a:rPr lang="en-US" sz="2000">
+                <a:sym typeface="+mn-ea"/>
+              </a:rPr>
+              <a:t>Summary Statistics</a:t>
+            </a:r>
+            <a:endParaRPr lang="en-US" sz="2000"/>
+          </a:p>
+          <a:p>
+            <a:r>
+              <a:rPr lang="en-US" sz="2000"/>
+              <a:t> </a:t>
+            </a:r>
+            <a:r>
+              <a:rPr lang="en-US" sz="2000">
+                <a:sym typeface="+mn-ea"/>
+              </a:rPr>
+              <a:t>Data Visualization:</a:t>
+            </a:r>
+            <a:endParaRPr lang="en-US" sz="2000"/>
+          </a:p>
+          <a:p>
+            <a:r>
+              <a:rPr lang="en-US" sz="2000"/>
+              <a:t>  </a:t>
+            </a:r>
+            <a:r>
+              <a:rPr lang="en-US" sz="2000">
+                <a:sym typeface="+mn-ea"/>
+              </a:rPr>
+              <a:t>Correlation Analysis:</a:t>
+            </a:r>
+            <a:endParaRPr lang="en-US" sz="2000"/>
+          </a:p>
+          <a:p>
+            <a:r>
+              <a:rPr lang="en-US" sz="2000"/>
+              <a:t>  Feature Engineering</a:t>
+            </a:r>
+            <a:endParaRPr lang="en-US" sz="2000"/>
+          </a:p>
+          <a:p>
+            <a:r>
+              <a:rPr lang="en-US" sz="2000"/>
+              <a:t>Outlier Detection </a:t>
+            </a:r>
+            <a:endParaRPr lang="en-US" sz="2000"/>
+          </a:p>
+          <a:p>
+            <a:r>
+              <a:rPr lang="en-US" sz="2000"/>
+              <a:t> Data Cleaning:       </a:t>
+            </a:r>
+            <a:endParaRPr lang="en-US" sz="2000"/>
+          </a:p>
+          <a:p>
+            <a:pPr marL="0" indent="0">
+              <a:buNone/>
+            </a:pPr>
+            <a:endParaRPr lang="en-US" sz="2000"/>
+          </a:p>
+          <a:p>
+            <a:pPr marL="0" indent="0">
+              <a:buNone/>
+            </a:pPr>
+            <a:r>
+              <a:rPr lang="en-US" sz="2000"/>
+              <a:t>  </a:t>
+            </a:r>
+            <a:endParaRPr lang="en-US" sz="2000"/>
+          </a:p>
+          <a:p>
+            <a:endParaRPr lang="en-US" sz="2000"/>
+          </a:p>
+          <a:p>
+            <a:endParaRPr lang="en-US" sz="1000"/>
+          </a:p>
+        </p:txBody>
+      </p:sp>
+    </p:spTree>
+  </p:cSld>
+  <p:clrMapOvr>
+    <a:masterClrMapping/>
+  </p:clrMapOvr>
+  <mc:AlternateContent xmlns:mc="http://schemas.openxmlformats.org/markup-compatibility/2006">
+    <mc:Choice xmlns:p14="http://schemas.microsoft.com/office/powerpoint/2010/main" Requires="p14">
+      <p:transition spd="slow" p14:dur="1600">
+        <p:blinds/>
+      </p:transition>
+    </mc:Choice>
+    <mc:Fallback>
+      <p:transition spd="slow">
+        <p:blinds/>
       </p:transition>
     </mc:Fallback>
   </mc:AlternateContent>
@@ -5274,31 +4649,56 @@
           </a:solidFill>
         </p:spPr>
         <p:txBody>
-          <a:bodyPr/>
-          <a:p>
-            <a:pPr marL="0" indent="0">
-              <a:buNone/>
-            </a:pPr>
-            <a:r>
-              <a:rPr lang="en-US">
-                <a:sym typeface="+mn-ea"/>
-              </a:rPr>
-              <a:t>Timeline - 28th,April,2024. </a:t>
-            </a:r>
-            <a:endParaRPr lang="en-US"/>
-          </a:p>
-          <a:p>
-            <a:pPr marL="0" indent="0">
-              <a:buNone/>
-            </a:pPr>
-            <a:r>
-              <a:rPr lang="en-US">
-                <a:sym typeface="+mn-ea"/>
-              </a:rPr>
-              <a:t>Deadline -2nd june,2024.</a:t>
-            </a:r>
-            <a:endParaRPr lang="en-US"/>
-          </a:p>
+          <a:bodyPr>
+            <a:normAutofit/>
+          </a:bodyPr>
+          <a:p>
+            <a:r>
+              <a:rPr lang="en-US" sz="2000"/>
+              <a:t>The real estate industry is inherently complex, influenced by numerous factors that collectively impact the pricing of residential properties. The task at hand is to navigate through this complexity and extract meaningful insights from the available data. As an analytics professional, you are entrusted with the responsibility to not only identify the key variables affecting house prices but also to provide actionable recommendations based on your findings.</a:t>
+            </a:r>
+            <a:endParaRPr lang="en-US" sz="2000"/>
+          </a:p>
+          <a:p>
+            <a:r>
+              <a:rPr lang="en-US" sz="2000"/>
+              <a:t>The dataset at your disposal comprises diverse parameters such as location, size, amenities, market trends, economic indicators, and historical transaction data. These variables contribute to the intricate web of pricing dynamics, and your role is to unravel their interdependencies through meticulous analysis.</a:t>
+            </a:r>
+            <a:endParaRPr lang="en-US" sz="2000"/>
+          </a:p>
+          <a:p>
+            <a:r>
+              <a:rPr lang="en-US" sz="2000"/>
+              <a:t>Your analysis should go beyond simple correlation assessments, delving into advanced statistical methods and visualizations. By employing regression models, </a:t>
+            </a:r>
+            <a:r>
+              <a:rPr lang="en-US" sz="2000"/>
+              <a:t>clustering techniques, and </a:t>
+            </a:r>
+            <a:endParaRPr lang="en-US" sz="2000"/>
+          </a:p>
+        </p:txBody>
+      </p:sp>
+      <p:sp>
+        <p:nvSpPr>
+          <p:cNvPr id="4" name="Text Box 3"/>
+          <p:cNvSpPr txBox="1"/>
+          <p:nvPr/>
+        </p:nvSpPr>
+        <p:spPr>
+          <a:xfrm>
+            <a:off x="2359660" y="1215390"/>
+            <a:ext cx="4064000" cy="368300"/>
+          </a:xfrm>
+          <a:prstGeom prst="rect">
+            <a:avLst/>
+          </a:prstGeom>
+          <a:noFill/>
+        </p:spPr>
+        <p:txBody>
+          <a:bodyPr wrap="square" rtlCol="0">
+            <a:spAutoFit/>
+          </a:bodyPr>
           <a:p>
             <a:endParaRPr lang="en-US"/>
           </a:p>
@@ -5354,7 +4754,35 @@
           <a:p>
             <a:pPr algn="ctr"/>
             <a:r>
-              <a:rPr lang="en-US" b="1" i="1">
+              <a:rPr lang="en-US" i="1">
+                <a:gradFill>
+                  <a:gsLst>
+                    <a:gs pos="0">
+                      <a:schemeClr val="accent5">
+                        <a:lumMod val="50000"/>
+                      </a:schemeClr>
+                    </a:gs>
+                    <a:gs pos="50000">
+                      <a:schemeClr val="accent5"/>
+                    </a:gs>
+                    <a:gs pos="100000">
+                      <a:schemeClr val="accent5">
+                        <a:lumMod val="60000"/>
+                        <a:lumOff val="40000"/>
+                      </a:schemeClr>
+                    </a:gs>
+                  </a:gsLst>
+                  <a:lin ang="5400000"/>
+                </a:gradFill>
+                <a:effectLst>
+                  <a:reflection blurRad="6350" stA="53000" endA="300" endPos="35500" dir="5400000" sy="-90000" algn="bl" rotWithShape="0"/>
+                </a:effectLst>
+                <a:sym typeface="+mn-ea"/>
+              </a:rPr>
+              <a:t>  </a:t>
+            </a:r>
+            <a:r>
+              <a:rPr lang="en-US" i="1">
                 <a:effectLst>
                   <a:outerShdw blurRad="38100" dist="19050" dir="2700000" algn="tl" rotWithShape="0">
                     <a:schemeClr val="dk1">
@@ -5364,7 +4792,20 @@
                 </a:effectLst>
                 <a:sym typeface="+mn-ea"/>
               </a:rPr>
-              <a:t>Project Overview</a:t>
+              <a:t> </a:t>
+            </a:r>
+            <a:r>
+              <a:rPr lang="en-US" i="1" u="sng">
+                <a:effectLst>
+                  <a:outerShdw blurRad="38100" dist="38100" dir="2700000" algn="tl">
+                    <a:srgbClr val="000000">
+                      <a:alpha val="43137"/>
+                    </a:srgbClr>
+                  </a:outerShdw>
+                </a:effectLst>
+                <a:sym typeface="+mn-ea"/>
+              </a:rPr>
+              <a:t>Problem Statement</a:t>
             </a:r>
             <a:endParaRPr lang="en-US"/>
           </a:p>
@@ -5386,57 +4827,12 @@
           </a:solidFill>
         </p:spPr>
         <p:txBody>
-          <a:bodyPr>
-            <a:normAutofit/>
-          </a:bodyPr>
-          <a:p>
-            <a:r>
-              <a:rPr lang="en-US" sz="2000"/>
-              <a:t>The real estate industry is inherently complex, influenced by numerous factors that collectively impact the pricing of residential properties. The task at hand is to navigate through this complexity and extract meaningful insights from the available data. As an analytics professional, you are entrusted with the responsibility to not only identify the key variables affecting house prices but also to provide actionable recommendations based on your findings.</a:t>
-            </a:r>
-            <a:endParaRPr lang="en-US" sz="2000"/>
-          </a:p>
-          <a:p>
-            <a:r>
-              <a:rPr lang="en-US" sz="2000"/>
-              <a:t>The dataset at your disposal comprises diverse parameters such as location, size, amenities, market trends, economic indicators, and historical transaction data. These variables contribute to the intricate web of pricing dynamics, and your role is to unravel their interdependencies through meticulous analysis.</a:t>
-            </a:r>
-            <a:endParaRPr lang="en-US" sz="2000"/>
-          </a:p>
-          <a:p>
-            <a:r>
-              <a:rPr lang="en-US" sz="2000"/>
-              <a:t>Your analysis should go beyond simple correlation assessments, delving into advanced statistical methods and visualizations. By employing regression models, </a:t>
-            </a:r>
-            <a:r>
-              <a:rPr lang="en-US" sz="2000"/>
-              <a:t>clustering techniques, and </a:t>
-            </a:r>
-            <a:endParaRPr lang="en-US" sz="2000"/>
-          </a:p>
-        </p:txBody>
-      </p:sp>
-      <p:sp>
-        <p:nvSpPr>
-          <p:cNvPr id="4" name="Text Box 3"/>
-          <p:cNvSpPr txBox="1"/>
-          <p:nvPr/>
-        </p:nvSpPr>
-        <p:spPr>
-          <a:xfrm>
-            <a:off x="2359660" y="1215390"/>
-            <a:ext cx="4064000" cy="368300"/>
-          </a:xfrm>
-          <a:prstGeom prst="rect">
-            <a:avLst/>
-          </a:prstGeom>
-          <a:noFill/>
-        </p:spPr>
-        <p:txBody>
-          <a:bodyPr wrap="square" rtlCol="0">
-            <a:spAutoFit/>
-          </a:bodyPr>
-          <a:p>
+          <a:bodyPr/>
+          <a:p>
+            <a:r>
+              <a:rPr lang="en-US"/>
+              <a:t>In the dynamic landscape of the residential real estate market, determining an optimal and competitive price for a house is a multifaceted challenge. As a key member of the analytics team in a leading real estate company, your task is to conduct a comprehensive analysis to identify and understand the myriad variables that significantly influence house prices. By leveraging advanced data analytics techniques and visualization tools, your goal is to uncover patterns, correlations, and trends within the dataset, enabling the company to make informed decisions and strategically position properties for better business opportunities.</a:t>
+            </a:r>
             <a:endParaRPr lang="en-US"/>
           </a:p>
         </p:txBody>
@@ -5492,34 +4888,6 @@
             <a:pPr algn="ctr"/>
             <a:r>
               <a:rPr lang="en-US" i="1">
-                <a:gradFill>
-                  <a:gsLst>
-                    <a:gs pos="0">
-                      <a:schemeClr val="accent5">
-                        <a:lumMod val="50000"/>
-                      </a:schemeClr>
-                    </a:gs>
-                    <a:gs pos="50000">
-                      <a:schemeClr val="accent5"/>
-                    </a:gs>
-                    <a:gs pos="100000">
-                      <a:schemeClr val="accent5">
-                        <a:lumMod val="60000"/>
-                        <a:lumOff val="40000"/>
-                      </a:schemeClr>
-                    </a:gs>
-                  </a:gsLst>
-                  <a:lin ang="5400000"/>
-                </a:gradFill>
-                <a:effectLst>
-                  <a:reflection blurRad="6350" stA="53000" endA="300" endPos="35500" dir="5400000" sy="-90000" algn="bl" rotWithShape="0"/>
-                </a:effectLst>
-                <a:sym typeface="+mn-ea"/>
-              </a:rPr>
-              <a:t>  </a:t>
-            </a:r>
-            <a:r>
-              <a:rPr lang="en-US" i="1">
                 <a:effectLst>
                   <a:outerShdw blurRad="38100" dist="19050" dir="2700000" algn="tl" rotWithShape="0">
                     <a:schemeClr val="dk1">
@@ -5534,15 +4902,15 @@
             <a:r>
               <a:rPr lang="en-US" i="1" u="sng">
                 <a:effectLst>
-                  <a:outerShdw blurRad="38100" dist="38100" dir="2700000" algn="tl">
-                    <a:srgbClr val="000000">
-                      <a:alpha val="43137"/>
-                    </a:srgbClr>
+                  <a:outerShdw blurRad="38100" dist="19050" dir="2700000" algn="tl" rotWithShape="0">
+                    <a:schemeClr val="dk1">
+                      <a:alpha val="40000"/>
+                    </a:schemeClr>
                   </a:outerShdw>
                 </a:effectLst>
                 <a:sym typeface="+mn-ea"/>
               </a:rPr>
-              <a:t>Problem Statement</a:t>
+              <a:t>Solution</a:t>
             </a:r>
             <a:endParaRPr lang="en-US"/>
           </a:p>
@@ -5566,9 +4934,14 @@
         <p:txBody>
           <a:bodyPr/>
           <a:p>
-            <a:r>
-              <a:rPr lang="en-US"/>
-              <a:t>In the dynamic landscape of the residential real estate market, determining an optimal and competitive price for a house is a multifaceted challenge. As a key member of the analytics team in a leading real estate company, your task is to conduct a comprehensive analysis to identify and understand the myriad variables that significantly influence house prices. By leveraging advanced data analytics techniques and visualization tools, your goal is to uncover patterns, correlations, and trends within the dataset, enabling the company to make informed decisions and strategically position properties for better business opportunities.</a:t>
+            <a:pPr marL="0" indent="0">
+              <a:buNone/>
+            </a:pPr>
+            <a:r>
+              <a:rPr lang="en-US">
+                <a:sym typeface="+mn-ea"/>
+              </a:rPr>
+              <a:t>I got the solution from the geeks for geeks articles and google.</a:t>
             </a:r>
             <a:endParaRPr lang="en-US"/>
           </a:p>
@@ -5624,19 +4997,6 @@
           <a:p>
             <a:pPr algn="ctr"/>
             <a:r>
-              <a:rPr lang="en-US" i="1">
-                <a:effectLst>
-                  <a:outerShdw blurRad="38100" dist="19050" dir="2700000" algn="tl" rotWithShape="0">
-                    <a:schemeClr val="dk1">
-                      <a:alpha val="40000"/>
-                    </a:schemeClr>
-                  </a:outerShdw>
-                </a:effectLst>
-                <a:sym typeface="+mn-ea"/>
-              </a:rPr>
-              <a:t> </a:t>
-            </a:r>
-            <a:r>
               <a:rPr lang="en-US" i="1" u="sng">
                 <a:effectLst>
                   <a:outerShdw blurRad="38100" dist="19050" dir="2700000" algn="tl" rotWithShape="0">
@@ -5647,7 +5007,7 @@
                 </a:effectLst>
                 <a:sym typeface="+mn-ea"/>
               </a:rPr>
-              <a:t>Solution</a:t>
+              <a:t>Methodology</a:t>
             </a:r>
             <a:endParaRPr lang="en-US"/>
           </a:p>
@@ -5669,16 +5029,85 @@
           </a:solidFill>
         </p:spPr>
         <p:txBody>
-          <a:bodyPr/>
-          <a:p>
-            <a:pPr marL="0" indent="0">
-              <a:buNone/>
-            </a:pPr>
-            <a:r>
-              <a:rPr lang="en-US">
-                <a:sym typeface="+mn-ea"/>
-              </a:rPr>
-              <a:t>I got the solution from the geeks for geeks articles and google.</a:t>
+          <a:bodyPr>
+            <a:normAutofit fontScale="50000"/>
+          </a:bodyPr>
+          <a:p>
+            <a:r>
+              <a:rPr lang="en-US"/>
+              <a:t>Methodology</a:t>
+            </a:r>
+            <a:endParaRPr lang="en-US"/>
+          </a:p>
+          <a:p>
+            <a:r>
+              <a:rPr lang="en-US"/>
+              <a:t>Exploratory Analysis:</a:t>
+            </a:r>
+            <a:endParaRPr lang="en-US"/>
+          </a:p>
+          <a:p>
+            <a:endParaRPr lang="en-US"/>
+          </a:p>
+          <a:p>
+            <a:r>
+              <a:rPr lang="en-US"/>
+              <a:t>Used scatter plots to visualize the relationships between the number of bedrooms, bathrooms, square footage, and house prices.</a:t>
+            </a:r>
+            <a:endParaRPr lang="en-US"/>
+          </a:p>
+          <a:p>
+            <a:r>
+              <a:rPr lang="en-US"/>
+              <a:t>Conducted correlation analysis to quantify the strength of these relationships.</a:t>
+            </a:r>
+            <a:endParaRPr lang="en-US"/>
+          </a:p>
+          <a:p>
+            <a:r>
+              <a:rPr lang="en-US"/>
+              <a:t>Feature Engineering:</a:t>
+            </a:r>
+            <a:endParaRPr lang="en-US"/>
+          </a:p>
+          <a:p>
+            <a:endParaRPr lang="en-US"/>
+          </a:p>
+          <a:p>
+            <a:r>
+              <a:rPr lang="en-US"/>
+              <a:t>Created a new feature, price_per_sqft, to better capture the valuation per unit area.</a:t>
+            </a:r>
+            <a:endParaRPr lang="en-US"/>
+          </a:p>
+          <a:p>
+            <a:r>
+              <a:rPr lang="en-US"/>
+              <a:t>Analyzed the distribution of the new feature and its impact on house prices.</a:t>
+            </a:r>
+            <a:endParaRPr lang="en-US"/>
+          </a:p>
+          <a:p>
+            <a:r>
+              <a:rPr lang="en-US"/>
+              <a:t>Visualization:</a:t>
+            </a:r>
+            <a:endParaRPr lang="en-US"/>
+          </a:p>
+          <a:p>
+            <a:endParaRPr lang="en-US"/>
+          </a:p>
+          <a:p>
+            <a:r>
+              <a:rPr lang="en-US"/>
+              <a:t>Visualized the distribution of key features and their relationships with house prices using scatter plots and heatmaps.</a:t>
+            </a:r>
+            <a:endParaRPr lang="en-US"/>
+          </a:p>
+          <a:p>
+            <a:r>
+              <a:rPr lang="en-US"/>
+              <a:t>Used histograms and density plots to understand the distribution of the newly engineered feature.</a:t>
             </a:r>
             <a:endParaRPr lang="en-US"/>
           </a:p>
@@ -5725,6 +5154,10 @@
           </p:nvPr>
         </p:nvSpPr>
         <p:spPr>
+          <a:xfrm>
+            <a:off x="844550" y="365125"/>
+            <a:ext cx="10509250" cy="1325880"/>
+          </a:xfrm>
           <a:solidFill>
             <a:srgbClr val="00B0F0"/>
           </a:solidFill>
@@ -5744,7 +5177,7 @@
                 </a:effectLst>
                 <a:sym typeface="+mn-ea"/>
               </a:rPr>
-              <a:t>Methodology</a:t>
+              <a:t>Key features</a:t>
             </a:r>
             <a:endParaRPr lang="en-US"/>
           </a:p>
@@ -5766,90 +5199,74 @@
           </a:solidFill>
         </p:spPr>
         <p:txBody>
-          <a:bodyPr>
-            <a:normAutofit fontScale="50000"/>
-          </a:bodyPr>
+          <a:bodyPr/>
           <a:p>
             <a:r>
               <a:rPr lang="en-US"/>
-              <a:t>Methodology</a:t>
+              <a:t>Key features of EDA</a:t>
             </a:r>
             <a:endParaRPr lang="en-US"/>
           </a:p>
           <a:p>
             <a:r>
               <a:rPr lang="en-US"/>
-              <a:t>Exploratory Analysis:</a:t>
-            </a:r>
-            <a:endParaRPr lang="en-US"/>
-          </a:p>
-          <a:p>
-            <a:endParaRPr lang="en-US"/>
-          </a:p>
-          <a:p>
-            <a:r>
-              <a:rPr lang="en-US"/>
-              <a:t>Used scatter plots to visualize the relationships between the number of bedrooms, bathrooms, square footage, and house prices.</a:t>
-            </a:r>
-            <a:endParaRPr lang="en-US"/>
-          </a:p>
-          <a:p>
-            <a:r>
-              <a:rPr lang="en-US"/>
-              <a:t>Conducted correlation analysis to quantify the strength of these relationships.</a:t>
-            </a:r>
-            <a:endParaRPr lang="en-US"/>
-          </a:p>
-          <a:p>
-            <a:r>
-              <a:rPr lang="en-US"/>
-              <a:t>Feature Engineering:</a:t>
-            </a:r>
-            <a:endParaRPr lang="en-US"/>
-          </a:p>
-          <a:p>
-            <a:endParaRPr lang="en-US"/>
-          </a:p>
-          <a:p>
-            <a:r>
-              <a:rPr lang="en-US"/>
-              <a:t>Created a new feature, price_per_sqft, to better capture the valuation per unit area.</a:t>
-            </a:r>
-            <a:endParaRPr lang="en-US"/>
-          </a:p>
-          <a:p>
-            <a:r>
-              <a:rPr lang="en-US"/>
-              <a:t>Analyzed the distribution of the new feature and its impact on house prices.</a:t>
-            </a:r>
-            <a:endParaRPr lang="en-US"/>
-          </a:p>
-          <a:p>
-            <a:r>
-              <a:rPr lang="en-US"/>
-              <a:t>Visualization:</a:t>
-            </a:r>
-            <a:endParaRPr lang="en-US"/>
-          </a:p>
-          <a:p>
-            <a:endParaRPr lang="en-US"/>
-          </a:p>
-          <a:p>
-            <a:r>
-              <a:rPr lang="en-US"/>
-              <a:t>Visualized the distribution of key features and their relationships with house prices using scatter plots and heatmaps.</a:t>
-            </a:r>
-            <a:endParaRPr lang="en-US"/>
-          </a:p>
-          <a:p>
-            <a:r>
-              <a:rPr lang="en-US"/>
-              <a:t>Used histograms and density plots to understand the distribution of the newly engineered feature.</a:t>
-            </a:r>
-            <a:endParaRPr lang="en-US"/>
-          </a:p>
-        </p:txBody>
-      </p:sp>
+              <a:t>Data Understanding,Missing Values,Outlier Detection,Descriptive Data Transformation:Statistics,Data Visualization,Correlation Analysis,Feature Distribution,Data Transformation,Dimensionality Reduction,Feature Selection.</a:t>
+            </a:r>
+            <a:endParaRPr lang="en-US"/>
+          </a:p>
+          <a:p>
+            <a:endParaRPr lang="en-US"/>
+          </a:p>
+        </p:txBody>
+      </p:sp>
+      <p:pic>
+        <p:nvPicPr>
+          <p:cNvPr id="4" name="Picture 3" descr="boxploit"/>
+          <p:cNvPicPr>
+            <a:picLocks noChangeAspect="1"/>
+          </p:cNvPicPr>
+          <p:nvPr/>
+        </p:nvPicPr>
+        <p:blipFill>
+          <a:blip r:embed="rId1"/>
+          <a:stretch>
+            <a:fillRect/>
+          </a:stretch>
+        </p:blipFill>
+        <p:spPr>
+          <a:xfrm>
+            <a:off x="843915" y="4789805"/>
+            <a:ext cx="4354830" cy="1387475"/>
+          </a:xfrm>
+          <a:prstGeom prst="rect">
+            <a:avLst/>
+          </a:prstGeom>
+        </p:spPr>
+      </p:pic>
+      <p:pic>
+        <p:nvPicPr>
+          <p:cNvPr id="6" name="Picture 5" descr="boxplot outliers removed"/>
+          <p:cNvPicPr>
+            <a:picLocks noChangeAspect="1"/>
+          </p:cNvPicPr>
+          <p:nvPr/>
+        </p:nvPicPr>
+        <p:blipFill>
+          <a:blip r:embed="rId2"/>
+          <a:stretch>
+            <a:fillRect/>
+          </a:stretch>
+        </p:blipFill>
+        <p:spPr>
+          <a:xfrm>
+            <a:off x="7860030" y="4671060"/>
+            <a:ext cx="3493770" cy="1506220"/>
+          </a:xfrm>
+          <a:prstGeom prst="rect">
+            <a:avLst/>
+          </a:prstGeom>
+        </p:spPr>
+      </p:pic>
     </p:spTree>
   </p:cSld>
   <p:clrMapOvr>
@@ -5892,8 +5309,8 @@
         </p:nvSpPr>
         <p:spPr>
           <a:xfrm>
-            <a:off x="844550" y="365125"/>
-            <a:ext cx="10509250" cy="1325880"/>
+            <a:off x="838200" y="365125"/>
+            <a:ext cx="11003280" cy="1325880"/>
           </a:xfrm>
           <a:solidFill>
             <a:srgbClr val="00B0F0"/>
@@ -5920,49 +5337,15 @@
           </a:p>
         </p:txBody>
       </p:sp>
-      <p:sp>
-        <p:nvSpPr>
-          <p:cNvPr id="3" name="Content Placeholder 2"/>
-          <p:cNvSpPr>
-            <a:spLocks noGrp="1"/>
-          </p:cNvSpPr>
-          <p:nvPr>
-            <p:ph idx="1"/>
-          </p:nvPr>
-        </p:nvSpPr>
-        <p:spPr>
-          <a:solidFill>
-            <a:srgbClr val="FFC000"/>
-          </a:solidFill>
-        </p:spPr>
-        <p:txBody>
-          <a:bodyPr/>
-          <a:p>
-            <a:r>
-              <a:rPr lang="en-US"/>
-              <a:t>Key features of EDA</a:t>
-            </a:r>
-            <a:endParaRPr lang="en-US"/>
-          </a:p>
-          <a:p>
-            <a:r>
-              <a:rPr lang="en-US"/>
-              <a:t>Data Understanding,Missing Values,Outlier Detection,Descriptive Data Transformation:Statistics,Data Visualization,Correlation Analysis,Feature Distribution,Data Transformation,Dimensionality Reduction,Feature Selection.</a:t>
-            </a:r>
-            <a:endParaRPr lang="en-US"/>
-          </a:p>
-          <a:p>
-            <a:endParaRPr lang="en-US"/>
-          </a:p>
-        </p:txBody>
-      </p:sp>
       <p:pic>
         <p:nvPicPr>
-          <p:cNvPr id="4" name="Picture 3" descr="boxploit"/>
+          <p:cNvPr id="4" name="Content Placeholder 3" descr="density plot"/>
           <p:cNvPicPr>
             <a:picLocks noChangeAspect="1"/>
           </p:cNvPicPr>
-          <p:nvPr/>
+          <p:nvPr>
+            <p:ph idx="1"/>
+          </p:nvPr>
         </p:nvPicPr>
         <p:blipFill>
           <a:blip r:embed="rId1"/>
@@ -5972,17 +5355,20 @@
         </p:blipFill>
         <p:spPr>
           <a:xfrm>
-            <a:off x="843915" y="4789805"/>
-            <a:ext cx="4354830" cy="1387475"/>
+            <a:off x="469900" y="4554855"/>
+            <a:ext cx="3973830" cy="2088515"/>
           </a:xfrm>
           <a:prstGeom prst="rect">
             <a:avLst/>
           </a:prstGeom>
+          <a:solidFill>
+            <a:srgbClr val="FFC000"/>
+          </a:solidFill>
         </p:spPr>
       </p:pic>
       <p:pic>
         <p:nvPicPr>
-          <p:cNvPr id="6" name="Picture 5" descr="boxplot outliers removed"/>
+          <p:cNvPr id="5" name="Picture 4" descr="histogram"/>
           <p:cNvPicPr>
             <a:picLocks noChangeAspect="1"/>
           </p:cNvPicPr>
@@ -5996,8 +5382,106 @@
         </p:blipFill>
         <p:spPr>
           <a:xfrm>
-            <a:off x="7860030" y="4671060"/>
-            <a:ext cx="3493770" cy="1506220"/>
+            <a:off x="5105400" y="4284980"/>
+            <a:ext cx="4552950" cy="2358390"/>
+          </a:xfrm>
+          <a:prstGeom prst="rect">
+            <a:avLst/>
+          </a:prstGeom>
+        </p:spPr>
+      </p:pic>
+      <p:pic>
+        <p:nvPicPr>
+          <p:cNvPr id="6" name="Picture 5" descr="line plt"/>
+          <p:cNvPicPr>
+            <a:picLocks noChangeAspect="1"/>
+          </p:cNvPicPr>
+          <p:nvPr/>
+        </p:nvPicPr>
+        <p:blipFill>
+          <a:blip r:embed="rId3"/>
+          <a:stretch>
+            <a:fillRect/>
+          </a:stretch>
+        </p:blipFill>
+        <p:spPr>
+          <a:xfrm>
+            <a:off x="363855" y="1764665"/>
+            <a:ext cx="5521325" cy="2182495"/>
+          </a:xfrm>
+          <a:prstGeom prst="rect">
+            <a:avLst/>
+          </a:prstGeom>
+        </p:spPr>
+      </p:pic>
+      <p:sp>
+        <p:nvSpPr>
+          <p:cNvPr id="7" name="Text Box 6"/>
+          <p:cNvSpPr txBox="1"/>
+          <p:nvPr/>
+        </p:nvSpPr>
+        <p:spPr>
+          <a:xfrm>
+            <a:off x="6609715" y="3147695"/>
+            <a:ext cx="4064000" cy="1137285"/>
+          </a:xfrm>
+          <a:prstGeom prst="rect">
+            <a:avLst/>
+          </a:prstGeom>
+          <a:noFill/>
+        </p:spPr>
+        <p:txBody>
+          <a:bodyPr wrap="square" rtlCol="0">
+            <a:noAutofit/>
+          </a:bodyPr>
+          <a:p>
+            <a:endParaRPr lang="en-US"/>
+          </a:p>
+        </p:txBody>
+      </p:sp>
+      <p:sp>
+        <p:nvSpPr>
+          <p:cNvPr id="9" name="Text Box 8"/>
+          <p:cNvSpPr txBox="1"/>
+          <p:nvPr/>
+        </p:nvSpPr>
+        <p:spPr>
+          <a:xfrm>
+            <a:off x="6492875" y="1764665"/>
+            <a:ext cx="4064000" cy="2182495"/>
+          </a:xfrm>
+          <a:prstGeom prst="rect">
+            <a:avLst/>
+          </a:prstGeom>
+          <a:noFill/>
+        </p:spPr>
+        <p:txBody>
+          <a:bodyPr wrap="square" rtlCol="0">
+            <a:noAutofit/>
+          </a:bodyPr>
+          <a:p>
+            <a:endParaRPr lang="en-US"/>
+          </a:p>
+        </p:txBody>
+      </p:sp>
+      <p:pic>
+        <p:nvPicPr>
+          <p:cNvPr id="10" name="Picture 9" descr="scatter plot"/>
+          <p:cNvPicPr>
+            <a:picLocks noChangeAspect="1"/>
+          </p:cNvPicPr>
+          <p:nvPr/>
+        </p:nvPicPr>
+        <p:blipFill>
+          <a:blip r:embed="rId4"/>
+          <a:stretch>
+            <a:fillRect/>
+          </a:stretch>
+        </p:blipFill>
+        <p:spPr>
+          <a:xfrm>
+            <a:off x="6095365" y="1764030"/>
+            <a:ext cx="5335905" cy="2183130"/>
           </a:xfrm>
           <a:prstGeom prst="rect">
             <a:avLst/>
@@ -6022,6 +5506,30 @@
     </mc:Fallback>
   </mc:AlternateContent>
 </p:sld>
+</file>
+
+<file path=ppt/tags/tag1.xml><?xml version="1.0" encoding="utf-8"?>
+<p:tagLst xmlns:p="http://schemas.openxmlformats.org/presentationml/2006/main">
+  <p:tag name="KSO_WM_BEAUTIFY_FLAG" val=""/>
+</p:tagLst>
+</file>
+
+<file path=ppt/tags/tag2.xml><?xml version="1.0" encoding="utf-8"?>
+<p:tagLst xmlns:p="http://schemas.openxmlformats.org/presentationml/2006/main">
+  <p:tag name="KSO_WM_BEAUTIFY_FLAG" val=""/>
+</p:tagLst>
+</file>
+
+<file path=ppt/tags/tag3.xml><?xml version="1.0" encoding="utf-8"?>
+<p:tagLst xmlns:p="http://schemas.openxmlformats.org/presentationml/2006/main">
+  <p:tag name="KSO_WM_BEAUTIFY_FLAG" val=""/>
+</p:tagLst>
+</file>
+
+<file path=ppt/tags/tag4.xml><?xml version="1.0" encoding="utf-8"?>
+<p:tagLst xmlns:p="http://schemas.openxmlformats.org/presentationml/2006/main">
+  <p:tag name="KSO_WM_BEAUTIFY_FLAG" val=""/>
+</p:tagLst>
 </file>
 
 <file path=ppt/theme/theme1.xml><?xml version="1.0" encoding="utf-8"?>

--- a/Project- 3 EDA.pptx
+++ b/Project- 3 EDA.pptx
@@ -14,13 +14,12 @@
     <p:sldId id="263" r:id="rId9"/>
     <p:sldId id="264" r:id="rId10"/>
     <p:sldId id="269" r:id="rId11"/>
-    <p:sldId id="271" r:id="rId12"/>
-    <p:sldId id="282" r:id="rId13"/>
-    <p:sldId id="288" r:id="rId14"/>
-    <p:sldId id="265" r:id="rId15"/>
-    <p:sldId id="266" r:id="rId16"/>
-    <p:sldId id="267" r:id="rId17"/>
-    <p:sldId id="268" r:id="rId18"/>
+    <p:sldId id="282" r:id="rId12"/>
+    <p:sldId id="288" r:id="rId13"/>
+    <p:sldId id="265" r:id="rId14"/>
+    <p:sldId id="266" r:id="rId15"/>
+    <p:sldId id="267" r:id="rId16"/>
+    <p:sldId id="268" r:id="rId17"/>
   </p:sldIdLst>
   <p:sldSz cx="12192000" cy="6858000"/>
   <p:notesSz cx="6858000" cy="9144000"/>
@@ -3097,7 +3096,7 @@
       </p:sp>
       <p:pic>
         <p:nvPicPr>
-          <p:cNvPr id="4" name="Content Placeholder 3" descr="heatmap"/>
+          <p:cNvPr id="4" name="Content Placeholder 3" descr="boxplot-3"/>
           <p:cNvPicPr>
             <a:picLocks noChangeAspect="1"/>
           </p:cNvPicPr>
@@ -3113,20 +3112,42 @@
         </p:blipFill>
         <p:spPr>
           <a:xfrm>
-            <a:off x="404495" y="1813560"/>
-            <a:ext cx="4737100" cy="2051050"/>
+            <a:off x="558800" y="2115820"/>
+            <a:ext cx="2334895" cy="2111375"/>
           </a:xfrm>
           <a:prstGeom prst="rect">
             <a:avLst/>
           </a:prstGeom>
-          <a:solidFill>
-            <a:srgbClr val="00B0F0"/>
-          </a:solidFill>
         </p:spPr>
       </p:pic>
+      <p:sp>
+        <p:nvSpPr>
+          <p:cNvPr id="7" name="Text Box 6"/>
+          <p:cNvSpPr txBox="1"/>
+          <p:nvPr/>
+        </p:nvSpPr>
+        <p:spPr>
+          <a:xfrm>
+            <a:off x="7609840" y="4749800"/>
+            <a:ext cx="3744595" cy="1597660"/>
+          </a:xfrm>
+          <a:prstGeom prst="rect">
+            <a:avLst/>
+          </a:prstGeom>
+          <a:noFill/>
+        </p:spPr>
+        <p:txBody>
+          <a:bodyPr wrap="square" rtlCol="0">
+            <a:noAutofit/>
+          </a:bodyPr>
+          <a:p>
+            <a:endParaRPr lang="en-US"/>
+          </a:p>
+        </p:txBody>
+      </p:sp>
       <p:pic>
         <p:nvPicPr>
-          <p:cNvPr id="5" name="Picture 4" descr="heatmap2"/>
+          <p:cNvPr id="9" name="Picture 8" descr="boxplot outliers removed codes"/>
           <p:cNvPicPr>
             <a:picLocks noChangeAspect="1"/>
           </p:cNvPicPr>
@@ -3140,8 +3161,8 @@
         </p:blipFill>
         <p:spPr>
           <a:xfrm>
-            <a:off x="404495" y="3865245"/>
-            <a:ext cx="4736465" cy="1725930"/>
+            <a:off x="3079115" y="1991995"/>
+            <a:ext cx="4013200" cy="1687830"/>
           </a:xfrm>
           <a:prstGeom prst="rect">
             <a:avLst/>
@@ -3150,7 +3171,7 @@
       </p:pic>
       <p:pic>
         <p:nvPicPr>
-          <p:cNvPr id="7" name="Picture 6" descr="heatmap3"/>
+          <p:cNvPr id="14" name="Picture 13" descr="Scatter plot-3"/>
           <p:cNvPicPr>
             <a:picLocks noChangeAspect="1"/>
           </p:cNvPicPr>
@@ -3164,8 +3185,8 @@
         </p:blipFill>
         <p:spPr>
           <a:xfrm>
-            <a:off x="330200" y="5481320"/>
-            <a:ext cx="4874895" cy="1376680"/>
+            <a:off x="7441565" y="1798955"/>
+            <a:ext cx="4215765" cy="3040380"/>
           </a:xfrm>
           <a:prstGeom prst="rect">
             <a:avLst/>
@@ -3174,22 +3195,26 @@
       </p:pic>
       <p:pic>
         <p:nvPicPr>
-          <p:cNvPr id="8" name="Picture 7" descr="Screenshot 2024-06-01 154514"/>
+          <p:cNvPr id="3" name="Picture 2" descr="bar plot"/>
           <p:cNvPicPr>
             <a:picLocks noChangeAspect="1"/>
           </p:cNvPicPr>
-          <p:nvPr/>
+          <p:nvPr>
+            <p:custDataLst>
+              <p:tags r:id="rId4"/>
+            </p:custDataLst>
+          </p:nvPr>
         </p:nvPicPr>
         <p:blipFill>
-          <a:blip r:embed="rId4"/>
+          <a:blip r:embed="rId5"/>
           <a:stretch>
             <a:fillRect/>
           </a:stretch>
         </p:blipFill>
         <p:spPr>
           <a:xfrm>
-            <a:off x="8575675" y="4768850"/>
-            <a:ext cx="3326130" cy="1864360"/>
+            <a:off x="3533140" y="3845560"/>
+            <a:ext cx="3559810" cy="2353310"/>
           </a:xfrm>
           <a:prstGeom prst="rect">
             <a:avLst/>
@@ -3198,14 +3223,14 @@
       </p:pic>
       <p:sp>
         <p:nvSpPr>
-          <p:cNvPr id="9" name="Text Box 8"/>
+          <p:cNvPr id="5" name="Text Box 4"/>
           <p:cNvSpPr txBox="1"/>
           <p:nvPr/>
         </p:nvSpPr>
         <p:spPr>
           <a:xfrm>
-            <a:off x="5373370" y="1869440"/>
-            <a:ext cx="2712720" cy="662305"/>
+            <a:off x="1060450" y="4349750"/>
+            <a:ext cx="2124075" cy="946785"/>
           </a:xfrm>
           <a:prstGeom prst="rect">
             <a:avLst/>
@@ -3217,79 +3242,60 @@
             <a:noAutofit/>
           </a:bodyPr>
           <a:p>
-            <a:r>
-              <a:rPr lang="en-US"/>
-              <a:t>S=Real_Estate.select_dtypes(include="number").corr()</a:t>
-            </a:r>
-            <a:endParaRPr lang="en-US"/>
-          </a:p>
-        </p:txBody>
-      </p:sp>
-      <p:sp>
-        <p:nvSpPr>
-          <p:cNvPr id="10" name="Text Box 9"/>
-          <p:cNvSpPr txBox="1"/>
-          <p:nvPr/>
-        </p:nvSpPr>
+            <a:endParaRPr lang="en-US"/>
+          </a:p>
+        </p:txBody>
+      </p:sp>
+      <p:pic>
+        <p:nvPicPr>
+          <p:cNvPr id="6" name="Picture 5" descr="project-3 multivariate pairplot"/>
+          <p:cNvPicPr>
+            <a:picLocks noChangeAspect="1"/>
+          </p:cNvPicPr>
+          <p:nvPr>
+            <p:custDataLst>
+              <p:tags r:id="rId6"/>
+            </p:custDataLst>
+          </p:nvPr>
+        </p:nvPicPr>
+        <p:blipFill>
+          <a:blip r:embed="rId7"/>
+          <a:stretch>
+            <a:fillRect/>
+          </a:stretch>
+        </p:blipFill>
         <p:spPr>
           <a:xfrm>
-            <a:off x="5563870" y="2844800"/>
-            <a:ext cx="2197735" cy="318135"/>
+            <a:off x="559435" y="4558665"/>
+            <a:ext cx="2771775" cy="1640205"/>
           </a:xfrm>
           <a:prstGeom prst="rect">
             <a:avLst/>
           </a:prstGeom>
-          <a:noFill/>
-        </p:spPr>
-        <p:txBody>
-          <a:bodyPr wrap="square" rtlCol="0">
-            <a:noAutofit/>
-          </a:bodyPr>
-          <a:p>
-            <a:r>
-              <a:rPr lang="en-US"/>
-              <a:t>plt.figure(figsize=(35,35))</a:t>
-            </a:r>
-            <a:endParaRPr lang="en-US"/>
-          </a:p>
-          <a:p>
-            <a:r>
-              <a:rPr lang="en-US"/>
-              <a:t>sns.heatmap(S,annot=True)</a:t>
-            </a:r>
-            <a:endParaRPr lang="en-US"/>
-          </a:p>
-          <a:p>
-            <a:r>
-              <a:rPr lang="en-US"/>
-              <a:t>sns.heatmap(S)</a:t>
-            </a:r>
-            <a:endParaRPr lang="en-US"/>
-          </a:p>
-        </p:txBody>
-      </p:sp>
+        </p:spPr>
+      </p:pic>
       <p:pic>
         <p:nvPicPr>
-          <p:cNvPr id="6" name="Picture 5" descr="scatter plot for saleprice vssquare foot"/>
+          <p:cNvPr id="8" name="Content Placeholder 3" descr="pairplot of key features"/>
           <p:cNvPicPr>
             <a:picLocks noChangeAspect="1"/>
           </p:cNvPicPr>
           <p:nvPr>
             <p:custDataLst>
-              <p:tags r:id="rId5"/>
+              <p:tags r:id="rId8"/>
             </p:custDataLst>
           </p:nvPr>
         </p:nvPicPr>
         <p:blipFill>
-          <a:blip r:embed="rId6"/>
+          <a:blip r:embed="rId9"/>
           <a:stretch>
             <a:fillRect/>
           </a:stretch>
         </p:blipFill>
         <p:spPr>
           <a:xfrm>
-            <a:off x="8294370" y="1825625"/>
-            <a:ext cx="3516630" cy="1988820"/>
+            <a:off x="7294880" y="4839335"/>
+            <a:ext cx="3634105" cy="1484630"/>
           </a:xfrm>
           <a:prstGeom prst="rect">
             <a:avLst/>
@@ -3337,6 +3343,10 @@
           </p:nvPr>
         </p:nvSpPr>
         <p:spPr>
+          <a:xfrm>
+            <a:off x="587375" y="365125"/>
+            <a:ext cx="10766425" cy="1040765"/>
+          </a:xfrm>
           <a:solidFill>
             <a:srgbClr val="00B0F0"/>
           </a:solidFill>
@@ -3364,7 +3374,7 @@
       </p:sp>
       <p:pic>
         <p:nvPicPr>
-          <p:cNvPr id="4" name="Content Placeholder 3" descr="boxplot-3"/>
+          <p:cNvPr id="4" name="Content Placeholder 3" descr="Find the price per square foot"/>
           <p:cNvPicPr>
             <a:picLocks noChangeAspect="1"/>
           </p:cNvPicPr>
@@ -3380,42 +3390,17 @@
         </p:blipFill>
         <p:spPr>
           <a:xfrm>
-            <a:off x="558800" y="2115820"/>
-            <a:ext cx="2334895" cy="2111375"/>
+            <a:off x="5960745" y="4173855"/>
+            <a:ext cx="5393690" cy="2257425"/>
           </a:xfrm>
           <a:prstGeom prst="rect">
             <a:avLst/>
           </a:prstGeom>
         </p:spPr>
       </p:pic>
-      <p:sp>
-        <p:nvSpPr>
-          <p:cNvPr id="7" name="Text Box 6"/>
-          <p:cNvSpPr txBox="1"/>
-          <p:nvPr/>
-        </p:nvSpPr>
-        <p:spPr>
-          <a:xfrm>
-            <a:off x="7609840" y="4749800"/>
-            <a:ext cx="3744595" cy="1597660"/>
-          </a:xfrm>
-          <a:prstGeom prst="rect">
-            <a:avLst/>
-          </a:prstGeom>
-          <a:noFill/>
-        </p:spPr>
-        <p:txBody>
-          <a:bodyPr wrap="square" rtlCol="0">
-            <a:noAutofit/>
-          </a:bodyPr>
-          <a:p>
-            <a:endParaRPr lang="en-US"/>
-          </a:p>
-        </p:txBody>
-      </p:sp>
       <p:pic>
         <p:nvPicPr>
-          <p:cNvPr id="9" name="Picture 8" descr="boxplot outliers removed codes"/>
+          <p:cNvPr id="6" name="Picture 5" descr="heatmap-2halfpart"/>
           <p:cNvPicPr>
             <a:picLocks noChangeAspect="1"/>
           </p:cNvPicPr>
@@ -3429,8 +3414,8 @@
         </p:blipFill>
         <p:spPr>
           <a:xfrm>
-            <a:off x="3079115" y="1991995"/>
-            <a:ext cx="4013200" cy="1687830"/>
+            <a:off x="265430" y="4438015"/>
+            <a:ext cx="5483225" cy="2790825"/>
           </a:xfrm>
           <a:prstGeom prst="rect">
             <a:avLst/>
@@ -3439,7 +3424,7 @@
       </p:pic>
       <p:pic>
         <p:nvPicPr>
-          <p:cNvPr id="14" name="Picture 13" descr="Scatter plot-3"/>
+          <p:cNvPr id="7" name="Picture 6" descr="heatmap-2"/>
           <p:cNvPicPr>
             <a:picLocks noChangeAspect="1"/>
           </p:cNvPicPr>
@@ -3453,8 +3438,8 @@
         </p:blipFill>
         <p:spPr>
           <a:xfrm>
-            <a:off x="7441565" y="1798955"/>
-            <a:ext cx="4215765" cy="3040380"/>
+            <a:off x="264795" y="1405890"/>
+            <a:ext cx="5589905" cy="3263265"/>
           </a:xfrm>
           <a:prstGeom prst="rect">
             <a:avLst/>
@@ -3463,107 +3448,50 @@
       </p:pic>
       <p:pic>
         <p:nvPicPr>
-          <p:cNvPr id="3" name="Picture 2" descr="bar plot"/>
+          <p:cNvPr id="8" name="Picture 7" descr="new box plo-project-3"/>
           <p:cNvPicPr>
             <a:picLocks noChangeAspect="1"/>
           </p:cNvPicPr>
-          <p:nvPr>
-            <p:custDataLst>
-              <p:tags r:id="rId4"/>
-            </p:custDataLst>
-          </p:nvPr>
+          <p:nvPr/>
         </p:nvPicPr>
         <p:blipFill>
-          <a:blip r:embed="rId5"/>
+          <a:blip r:embed="rId4"/>
           <a:stretch>
             <a:fillRect/>
           </a:stretch>
         </p:blipFill>
         <p:spPr>
           <a:xfrm>
-            <a:off x="3533140" y="3845560"/>
-            <a:ext cx="3559810" cy="2353310"/>
+            <a:off x="5854700" y="1483360"/>
+            <a:ext cx="2725420" cy="2091690"/>
           </a:xfrm>
           <a:prstGeom prst="rect">
             <a:avLst/>
           </a:prstGeom>
         </p:spPr>
       </p:pic>
-      <p:sp>
-        <p:nvSpPr>
-          <p:cNvPr id="5" name="Text Box 4"/>
-          <p:cNvSpPr txBox="1"/>
-          <p:nvPr/>
-        </p:nvSpPr>
-        <p:spPr>
-          <a:xfrm>
-            <a:off x="1060450" y="4349750"/>
-            <a:ext cx="2124075" cy="946785"/>
-          </a:xfrm>
-          <a:prstGeom prst="rect">
-            <a:avLst/>
-          </a:prstGeom>
-          <a:noFill/>
-        </p:spPr>
-        <p:txBody>
-          <a:bodyPr wrap="square" rtlCol="0">
-            <a:noAutofit/>
-          </a:bodyPr>
-          <a:p>
-            <a:endParaRPr lang="en-US"/>
-          </a:p>
-        </p:txBody>
-      </p:sp>
       <p:pic>
         <p:nvPicPr>
-          <p:cNvPr id="6" name="Picture 5" descr="project-3 multivariate pairplot"/>
+          <p:cNvPr id="3" name="Picture 2" descr="scatter plot for saleprice vssquare foot"/>
           <p:cNvPicPr>
             <a:picLocks noChangeAspect="1"/>
           </p:cNvPicPr>
           <p:nvPr>
             <p:custDataLst>
-              <p:tags r:id="rId6"/>
+              <p:tags r:id="rId5"/>
             </p:custDataLst>
           </p:nvPr>
         </p:nvPicPr>
         <p:blipFill>
-          <a:blip r:embed="rId7"/>
+          <a:blip r:embed="rId6"/>
           <a:stretch>
             <a:fillRect/>
           </a:stretch>
         </p:blipFill>
         <p:spPr>
           <a:xfrm>
-            <a:off x="559435" y="4558665"/>
-            <a:ext cx="2771775" cy="1640205"/>
-          </a:xfrm>
-          <a:prstGeom prst="rect">
-            <a:avLst/>
-          </a:prstGeom>
-        </p:spPr>
-      </p:pic>
-      <p:pic>
-        <p:nvPicPr>
-          <p:cNvPr id="8" name="Content Placeholder 3" descr="pairplot of key features"/>
-          <p:cNvPicPr>
-            <a:picLocks noChangeAspect="1"/>
-          </p:cNvPicPr>
-          <p:nvPr>
-            <p:custDataLst>
-              <p:tags r:id="rId8"/>
-            </p:custDataLst>
-          </p:nvPr>
-        </p:nvPicPr>
-        <p:blipFill>
-          <a:blip r:embed="rId9"/>
-          <a:stretch>
-            <a:fillRect/>
-          </a:stretch>
-        </p:blipFill>
-        <p:spPr>
-          <a:xfrm>
-            <a:off x="7294880" y="4839335"/>
-            <a:ext cx="3634105" cy="1484630"/>
+            <a:off x="8689975" y="1574800"/>
+            <a:ext cx="3121025" cy="2239645"/>
           </a:xfrm>
           <a:prstGeom prst="rect">
             <a:avLst/>
@@ -3611,10 +3539,6 @@
           </p:nvPr>
         </p:nvSpPr>
         <p:spPr>
-          <a:xfrm>
-            <a:off x="587375" y="365125"/>
-            <a:ext cx="10766425" cy="1040765"/>
-          </a:xfrm>
           <a:solidFill>
             <a:srgbClr val="00B0F0"/>
           </a:solidFill>
@@ -3624,7 +3548,7 @@
           <a:p>
             <a:pPr algn="ctr"/>
             <a:r>
-              <a:rPr lang="en-US" i="1" u="sng">
+              <a:rPr lang="en-US">
                 <a:effectLst>
                   <a:outerShdw blurRad="38100" dist="19050" dir="2700000" algn="tl" rotWithShape="0">
                     <a:schemeClr val="dk1">
@@ -3634,110 +3558,109 @@
                 </a:effectLst>
                 <a:sym typeface="+mn-ea"/>
               </a:rPr>
-              <a:t>Key features</a:t>
-            </a:r>
-            <a:endParaRPr lang="en-US"/>
-          </a:p>
-        </p:txBody>
-      </p:sp>
-      <p:pic>
-        <p:nvPicPr>
-          <p:cNvPr id="4" name="Content Placeholder 3" descr="Find the price per square foot"/>
-          <p:cNvPicPr>
-            <a:picLocks noChangeAspect="1"/>
-          </p:cNvPicPr>
+              <a:t>Result &amp; Achievements</a:t>
+            </a:r>
+            <a:endParaRPr lang="en-US"/>
+          </a:p>
+        </p:txBody>
+      </p:sp>
+      <p:sp>
+        <p:nvSpPr>
+          <p:cNvPr id="3" name="Content Placeholder 2"/>
+          <p:cNvSpPr>
+            <a:spLocks noGrp="1"/>
+          </p:cNvSpPr>
           <p:nvPr>
             <p:ph idx="1"/>
           </p:nvPr>
-        </p:nvPicPr>
-        <p:blipFill>
-          <a:blip r:embed="rId1"/>
-          <a:stretch>
-            <a:fillRect/>
-          </a:stretch>
-        </p:blipFill>
-        <p:spPr>
-          <a:xfrm>
-            <a:off x="5960745" y="4173855"/>
-            <a:ext cx="5393690" cy="2257425"/>
-          </a:xfrm>
-          <a:prstGeom prst="rect">
-            <a:avLst/>
-          </a:prstGeom>
-        </p:spPr>
-      </p:pic>
-      <p:pic>
-        <p:nvPicPr>
-          <p:cNvPr id="6" name="Picture 5" descr="heatmap-2halfpart"/>
-          <p:cNvPicPr>
-            <a:picLocks noChangeAspect="1"/>
-          </p:cNvPicPr>
-          <p:nvPr/>
-        </p:nvPicPr>
-        <p:blipFill>
-          <a:blip r:embed="rId2"/>
-          <a:stretch>
-            <a:fillRect/>
-          </a:stretch>
-        </p:blipFill>
-        <p:spPr>
-          <a:xfrm>
-            <a:off x="265430" y="4438015"/>
-            <a:ext cx="5483225" cy="2790825"/>
-          </a:xfrm>
-          <a:prstGeom prst="rect">
-            <a:avLst/>
-          </a:prstGeom>
-        </p:spPr>
-      </p:pic>
-      <p:pic>
-        <p:nvPicPr>
-          <p:cNvPr id="7" name="Picture 6" descr="heatmap-2"/>
-          <p:cNvPicPr>
-            <a:picLocks noChangeAspect="1"/>
-          </p:cNvPicPr>
-          <p:nvPr/>
-        </p:nvPicPr>
-        <p:blipFill>
-          <a:blip r:embed="rId3"/>
-          <a:stretch>
-            <a:fillRect/>
-          </a:stretch>
-        </p:blipFill>
-        <p:spPr>
-          <a:xfrm>
-            <a:off x="264795" y="1405890"/>
-            <a:ext cx="5589905" cy="3263265"/>
-          </a:xfrm>
-          <a:prstGeom prst="rect">
-            <a:avLst/>
-          </a:prstGeom>
-        </p:spPr>
-      </p:pic>
-      <p:pic>
-        <p:nvPicPr>
-          <p:cNvPr id="8" name="Picture 7" descr="new box plo-project-3"/>
-          <p:cNvPicPr>
-            <a:picLocks noChangeAspect="1"/>
-          </p:cNvPicPr>
-          <p:nvPr/>
-        </p:nvPicPr>
-        <p:blipFill>
-          <a:blip r:embed="rId4"/>
-          <a:stretch>
-            <a:fillRect/>
-          </a:stretch>
-        </p:blipFill>
-        <p:spPr>
-          <a:xfrm>
-            <a:off x="5854700" y="1483360"/>
-            <a:ext cx="4645025" cy="2091690"/>
-          </a:xfrm>
-          <a:prstGeom prst="rect">
-            <a:avLst/>
-          </a:prstGeom>
-        </p:spPr>
-      </p:pic>
+        </p:nvSpPr>
+        <p:spPr>
+          <a:solidFill>
+            <a:srgbClr val="FFC000"/>
+          </a:solidFill>
+        </p:spPr>
+        <p:txBody>
+          <a:bodyPr>
+            <a:normAutofit fontScale="90000" lnSpcReduction="10000"/>
+          </a:bodyPr>
+          <a:p>
+            <a:pPr marL="0" indent="0">
+              <a:buNone/>
+            </a:pPr>
+            <a:endParaRPr lang="en-US"/>
+          </a:p>
+          <a:p>
+            <a:pPr marL="0" indent="0">
+              <a:buNone/>
+            </a:pPr>
+            <a:r>
+              <a:rPr lang="en-US"/>
+              <a:t> Identified trends in house prices over time.</a:t>
+            </a:r>
+            <a:endParaRPr lang="en-US"/>
+          </a:p>
+          <a:p>
+            <a:pPr marL="0" indent="0">
+              <a:buNone/>
+            </a:pPr>
+            <a:endParaRPr lang="en-US"/>
+          </a:p>
+          <a:p>
+            <a:pPr marL="0" indent="0">
+              <a:buNone/>
+            </a:pPr>
+            <a:r>
+              <a:rPr lang="en-US"/>
+              <a:t> Established relationships between key features and house prices.</a:t>
+            </a:r>
+            <a:endParaRPr lang="en-US"/>
+          </a:p>
+          <a:p>
+            <a:pPr marL="0" indent="0">
+              <a:buNone/>
+            </a:pPr>
+            <a:r>
+              <a:rPr lang="en-US"/>
+              <a:t>- Incorporated economic indicators to provide a more comprehensive analysis.</a:t>
+            </a:r>
+            <a:endParaRPr lang="en-US"/>
+          </a:p>
+          <a:p>
+            <a:pPr marL="457200" lvl="1" indent="0">
+              <a:buNone/>
+            </a:pPr>
+            <a:endParaRPr lang="en-US"/>
+          </a:p>
+          <a:p>
+            <a:r>
+              <a:rPr lang="en-US"/>
+              <a:t>Improved data quality.</a:t>
+            </a:r>
+            <a:endParaRPr lang="en-US"/>
+          </a:p>
+          <a:p>
+            <a:r>
+              <a:rPr lang="en-US"/>
+              <a:t>Enhanced feature set.</a:t>
+            </a:r>
+            <a:endParaRPr lang="en-US"/>
+          </a:p>
+          <a:p>
+            <a:r>
+              <a:rPr lang="en-US"/>
+              <a:t>Key insights visualized.</a:t>
+            </a:r>
+            <a:endParaRPr lang="en-US"/>
+          </a:p>
+          <a:p>
+            <a:r>
+              <a:rPr lang="en-US"/>
+              <a:t>Model readiness.</a:t>
+            </a:r>
+            <a:endParaRPr lang="en-US"/>
+          </a:p>
+        </p:txBody>
+      </p:sp>
     </p:spTree>
   </p:cSld>
   <p:clrMapOvr>
@@ -3788,7 +3711,7 @@
           <a:p>
             <a:pPr algn="ctr"/>
             <a:r>
-              <a:rPr lang="en-US">
+              <a:rPr lang="en-US" i="1">
                 <a:effectLst>
                   <a:outerShdw blurRad="38100" dist="19050" dir="2700000" algn="tl" rotWithShape="0">
                     <a:schemeClr val="dk1">
@@ -3798,7 +3721,7 @@
                 </a:effectLst>
                 <a:sym typeface="+mn-ea"/>
               </a:rPr>
-              <a:t>Result &amp; Achievements</a:t>
+              <a:t>Challenges faced</a:t>
             </a:r>
             <a:endParaRPr lang="en-US"/>
           </a:p>
@@ -3820,83 +3743,37 @@
           </a:solidFill>
         </p:spPr>
         <p:txBody>
-          <a:bodyPr>
-            <a:normAutofit fontScale="90000" lnSpcReduction="10000"/>
-          </a:bodyPr>
-          <a:p>
-            <a:pPr marL="0" indent="0">
-              <a:buNone/>
-            </a:pPr>
-            <a:endParaRPr lang="en-US"/>
-          </a:p>
-          <a:p>
-            <a:pPr marL="0" indent="0">
-              <a:buNone/>
-            </a:pPr>
+          <a:bodyPr/>
+          <a:p>
             <a:r>
               <a:rPr lang="en-US"/>
-              <a:t> Identified trends in house prices over time.</a:t>
-            </a:r>
-            <a:endParaRPr lang="en-US"/>
-          </a:p>
-          <a:p>
-            <a:pPr marL="0" indent="0">
-              <a:buNone/>
-            </a:pPr>
-            <a:endParaRPr lang="en-US"/>
-          </a:p>
-          <a:p>
-            <a:pPr marL="0" indent="0">
-              <a:buNone/>
-            </a:pPr>
+              <a:t>When i was doing this project i Faced the challenges like</a:t>
+            </a:r>
+            <a:endParaRPr lang="en-US"/>
+          </a:p>
+          <a:p>
             <a:r>
               <a:rPr lang="en-US"/>
-              <a:t> Established relationships between key features and house prices.</a:t>
-            </a:r>
-            <a:endParaRPr lang="en-US"/>
-          </a:p>
-          <a:p>
-            <a:pPr marL="0" indent="0">
-              <a:buNone/>
-            </a:pPr>
-            <a:r>
-              <a:rPr lang="en-US"/>
-              <a:t>- Incorporated economic indicators to provide a more comprehensive analysis.</a:t>
-            </a:r>
-            <a:endParaRPr lang="en-US"/>
-          </a:p>
-          <a:p>
-            <a:pPr marL="457200" lvl="1" indent="0">
-              <a:buNone/>
-            </a:pPr>
-            <a:endParaRPr lang="en-US"/>
-          </a:p>
-          <a:p>
-            <a:r>
-              <a:rPr lang="en-US"/>
-              <a:t>Improved data quality.</a:t>
-            </a:r>
-            <a:endParaRPr lang="en-US"/>
-          </a:p>
-          <a:p>
-            <a:r>
-              <a:rPr lang="en-US"/>
-              <a:t>Enhanced feature set.</a:t>
-            </a:r>
-            <a:endParaRPr lang="en-US"/>
-          </a:p>
-          <a:p>
-            <a:r>
-              <a:rPr lang="en-US"/>
-              <a:t>Key insights visualized.</a:t>
-            </a:r>
-            <a:endParaRPr lang="en-US"/>
-          </a:p>
-          <a:p>
-            <a:r>
-              <a:rPr lang="en-US"/>
-              <a:t>Model readiness.</a:t>
-            </a:r>
+              <a:t> </a:t>
+            </a:r>
+            <a:r>
+              <a:rPr lang="en-US">
+                <a:sym typeface="+mn-ea"/>
+              </a:rPr>
+              <a:t>1-Error occur and findings their accurate solution .</a:t>
+            </a:r>
+            <a:endParaRPr lang="en-US"/>
+          </a:p>
+          <a:p>
+            <a:r>
+              <a:rPr lang="en-US">
+                <a:sym typeface="+mn-ea"/>
+              </a:rPr>
+              <a:t>2-Sometime i occur the problem NAN value came in output.</a:t>
+            </a:r>
+            <a:endParaRPr lang="en-US"/>
+          </a:p>
+          <a:p>
             <a:endParaRPr lang="en-US"/>
           </a:p>
         </p:txBody>
@@ -3961,7 +3838,7 @@
                 </a:effectLst>
                 <a:sym typeface="+mn-ea"/>
               </a:rPr>
-              <a:t>Challenges faced</a:t>
+              <a:t>Conclusion</a:t>
             </a:r>
             <a:endParaRPr lang="en-US"/>
           </a:p>
@@ -3987,37 +3864,43 @@
           <a:p>
             <a:r>
               <a:rPr lang="en-US"/>
-              <a:t>When i was doing this project i Faced the challenges like</a:t>
+              <a:t>Conclusion</a:t>
             </a:r>
             <a:endParaRPr lang="en-US"/>
           </a:p>
           <a:p>
             <a:r>
               <a:rPr lang="en-US"/>
-              <a:t> </a:t>
-            </a:r>
-            <a:r>
-              <a:rPr lang="en-US">
-                <a:sym typeface="+mn-ea"/>
-              </a:rPr>
-              <a:t>1-Error occur and findings their accurate solution .</a:t>
-            </a:r>
-            <a:endParaRPr lang="en-US"/>
-          </a:p>
-          <a:p>
-            <a:r>
-              <a:rPr lang="en-US">
-                <a:sym typeface="+mn-ea"/>
-              </a:rPr>
-              <a:t>2-Sometime i occur the problem NAN value came in output.</a:t>
-            </a:r>
-            <a:endParaRPr lang="en-US"/>
-          </a:p>
-          <a:p>
-            <a:endParaRPr lang="en-US"/>
-          </a:p>
-        </p:txBody>
-      </p:sp>
+              <a:t>This project highlights the importance of EDA and Feature Engineering in understanding and preparing the data for modeling. By applying these techniques, we can derive meaningful insights, handle data quality issues, and develop robust predictive models. The next steps involve fine-tuning the model, validating it, and exploring advanced machine learning algorithms to improve prediction accuracy</a:t>
+            </a:r>
+            <a:endParaRPr lang="en-US"/>
+          </a:p>
+        </p:txBody>
+      </p:sp>
+      <p:pic>
+        <p:nvPicPr>
+          <p:cNvPr id="4" name="Picture 3" descr="flow chart of EDA"/>
+          <p:cNvPicPr>
+            <a:picLocks noChangeAspect="1"/>
+          </p:cNvPicPr>
+          <p:nvPr/>
+        </p:nvPicPr>
+        <p:blipFill>
+          <a:blip r:embed="rId1"/>
+          <a:stretch>
+            <a:fillRect/>
+          </a:stretch>
+        </p:blipFill>
+        <p:spPr>
+          <a:xfrm>
+            <a:off x="8049260" y="364490"/>
+            <a:ext cx="3827780" cy="1326515"/>
+          </a:xfrm>
+          <a:prstGeom prst="rect">
+            <a:avLst/>
+          </a:prstGeom>
+        </p:spPr>
+      </p:pic>
     </p:spTree>
   </p:cSld>
   <p:clrMapOvr>
@@ -4039,129 +3922,6 @@
 </file>
 
 <file path=ppt/slides/slide15.xml><?xml version="1.0" encoding="utf-8"?>
-<p:sld xmlns:a="http://schemas.openxmlformats.org/drawingml/2006/main" xmlns:r="http://schemas.openxmlformats.org/officeDocument/2006/relationships" xmlns:p="http://schemas.openxmlformats.org/presentationml/2006/main">
-  <p:cSld>
-    <p:spTree>
-      <p:nvGrpSpPr>
-        <p:cNvPr id="1" name=""/>
-        <p:cNvGrpSpPr/>
-        <p:nvPr/>
-      </p:nvGrpSpPr>
-      <p:grpSpPr/>
-      <p:sp>
-        <p:nvSpPr>
-          <p:cNvPr id="2" name="Title 1"/>
-          <p:cNvSpPr>
-            <a:spLocks noGrp="1"/>
-          </p:cNvSpPr>
-          <p:nvPr>
-            <p:ph type="title"/>
-          </p:nvPr>
-        </p:nvSpPr>
-        <p:spPr>
-          <a:solidFill>
-            <a:srgbClr val="00B0F0"/>
-          </a:solidFill>
-        </p:spPr>
-        <p:txBody>
-          <a:bodyPr/>
-          <a:p>
-            <a:pPr algn="ctr"/>
-            <a:r>
-              <a:rPr lang="en-US" i="1">
-                <a:effectLst>
-                  <a:outerShdw blurRad="38100" dist="19050" dir="2700000" algn="tl" rotWithShape="0">
-                    <a:schemeClr val="dk1">
-                      <a:alpha val="40000"/>
-                    </a:schemeClr>
-                  </a:outerShdw>
-                </a:effectLst>
-                <a:sym typeface="+mn-ea"/>
-              </a:rPr>
-              <a:t>Conclusion</a:t>
-            </a:r>
-            <a:endParaRPr lang="en-US"/>
-          </a:p>
-        </p:txBody>
-      </p:sp>
-      <p:sp>
-        <p:nvSpPr>
-          <p:cNvPr id="3" name="Content Placeholder 2"/>
-          <p:cNvSpPr>
-            <a:spLocks noGrp="1"/>
-          </p:cNvSpPr>
-          <p:nvPr>
-            <p:ph idx="1"/>
-          </p:nvPr>
-        </p:nvSpPr>
-        <p:spPr>
-          <a:solidFill>
-            <a:srgbClr val="FFC000"/>
-          </a:solidFill>
-        </p:spPr>
-        <p:txBody>
-          <a:bodyPr/>
-          <a:p>
-            <a:r>
-              <a:rPr lang="en-US"/>
-              <a:t>Conclusion</a:t>
-            </a:r>
-            <a:endParaRPr lang="en-US"/>
-          </a:p>
-          <a:p>
-            <a:r>
-              <a:rPr lang="en-US"/>
-              <a:t>This project highlights the importance of EDA and Feature Engineering in understanding and preparing the data for modeling. By applying these techniques, we can derive meaningful insights, handle data quality issues, and develop robust predictive models. The next steps involve fine-tuning the model, validating it, and exploring advanced machine learning algorithms to improve prediction accuracy</a:t>
-            </a:r>
-            <a:endParaRPr lang="en-US"/>
-          </a:p>
-        </p:txBody>
-      </p:sp>
-      <p:pic>
-        <p:nvPicPr>
-          <p:cNvPr id="4" name="Picture 3" descr="flow chart of EDA"/>
-          <p:cNvPicPr>
-            <a:picLocks noChangeAspect="1"/>
-          </p:cNvPicPr>
-          <p:nvPr/>
-        </p:nvPicPr>
-        <p:blipFill>
-          <a:blip r:embed="rId1"/>
-          <a:stretch>
-            <a:fillRect/>
-          </a:stretch>
-        </p:blipFill>
-        <p:spPr>
-          <a:xfrm>
-            <a:off x="8049260" y="364490"/>
-            <a:ext cx="3827780" cy="1326515"/>
-          </a:xfrm>
-          <a:prstGeom prst="rect">
-            <a:avLst/>
-          </a:prstGeom>
-        </p:spPr>
-      </p:pic>
-    </p:spTree>
-  </p:cSld>
-  <p:clrMapOvr>
-    <a:masterClrMapping/>
-  </p:clrMapOvr>
-  <mc:AlternateContent xmlns:mc="http://schemas.openxmlformats.org/markup-compatibility/2006">
-    <mc:Choice xmlns:p14="http://schemas.microsoft.com/office/powerpoint/2010/main" Requires="p14">
-      <p:transition spd="slow" p14:dur="1600">
-        <p:blinds/>
-      </p:transition>
-    </mc:Choice>
-    <mc:Fallback>
-      <p:transition spd="slow">
-        <p:blinds/>
-      </p:transition>
-    </mc:Fallback>
-  </mc:AlternateContent>
-</p:sld>
-</file>
-
-<file path=ppt/slides/slide16.xml><?xml version="1.0" encoding="utf-8"?>
 <p:sld xmlns:a="http://schemas.openxmlformats.org/drawingml/2006/main" xmlns:r="http://schemas.openxmlformats.org/officeDocument/2006/relationships" xmlns:p="http://schemas.openxmlformats.org/presentationml/2006/main">
   <p:cSld>
     <p:spTree>
